--- a/5 HTE Models.pptx
+++ b/5 HTE Models.pptx
@@ -4,6 +4,9 @@
   <p:sldMasterIdLst>
     <p:sldMasterId id="2147483648" r:id="rId1"/>
   </p:sldMasterIdLst>
+  <p:notesMasterIdLst>
+    <p:notesMasterId r:id="rId17"/>
+  </p:notesMasterIdLst>
   <p:sldIdLst>
     <p:sldId id="257" r:id="rId2"/>
     <p:sldId id="312" r:id="rId3"/>
@@ -17,8 +20,9 @@
     <p:sldId id="321" r:id="rId11"/>
     <p:sldId id="322" r:id="rId12"/>
     <p:sldId id="323" r:id="rId13"/>
-    <p:sldId id="324" r:id="rId14"/>
-    <p:sldId id="320" r:id="rId15"/>
+    <p:sldId id="325" r:id="rId14"/>
+    <p:sldId id="326" r:id="rId15"/>
+    <p:sldId id="320" r:id="rId16"/>
   </p:sldIdLst>
   <p:sldSz cx="12192000" cy="6858000"/>
   <p:notesSz cx="6858000" cy="9144000"/>
@@ -117,7 +121,679 @@
       </a:defRPr>
     </a:lvl9pPr>
   </p:defaultTextStyle>
+  <p:extLst>
+    <p:ext uri="{EFAFB233-063F-42B5-8137-9DF3F51BA10A}">
+      <p15:sldGuideLst xmlns:p15="http://schemas.microsoft.com/office/powerpoint/2012/main"/>
+    </p:ext>
+  </p:extLst>
 </p:presentation>
+</file>
+
+<file path=ppt/notesMasters/notesMaster1.xml><?xml version="1.0" encoding="utf-8"?>
+<p:notesMaster xmlns:a="http://schemas.openxmlformats.org/drawingml/2006/main" xmlns:r="http://schemas.openxmlformats.org/officeDocument/2006/relationships" xmlns:p="http://schemas.openxmlformats.org/presentationml/2006/main">
+  <p:cSld>
+    <p:bg>
+      <p:bgRef idx="1001">
+        <a:schemeClr val="bg1"/>
+      </p:bgRef>
+    </p:bg>
+    <p:spTree>
+      <p:nvGrpSpPr>
+        <p:cNvPr id="1" name=""/>
+        <p:cNvGrpSpPr/>
+        <p:nvPr/>
+      </p:nvGrpSpPr>
+      <p:grpSpPr>
+        <a:xfrm>
+          <a:off x="0" y="0"/>
+          <a:ext cx="0" cy="0"/>
+          <a:chOff x="0" y="0"/>
+          <a:chExt cx="0" cy="0"/>
+        </a:xfrm>
+      </p:grpSpPr>
+      <p:sp>
+        <p:nvSpPr>
+          <p:cNvPr id="2" name="Header Placeholder 1"/>
+          <p:cNvSpPr>
+            <a:spLocks noGrp="1"/>
+          </p:cNvSpPr>
+          <p:nvPr>
+            <p:ph type="hdr" sz="quarter"/>
+          </p:nvPr>
+        </p:nvSpPr>
+        <p:spPr>
+          <a:xfrm>
+            <a:off x="0" y="0"/>
+            <a:ext cx="2971800" cy="458788"/>
+          </a:xfrm>
+          <a:prstGeom prst="rect">
+            <a:avLst/>
+          </a:prstGeom>
+        </p:spPr>
+        <p:txBody>
+          <a:bodyPr vert="horz" lIns="91440" tIns="45720" rIns="91440" bIns="45720" rtlCol="0"/>
+          <a:lstStyle>
+            <a:lvl1pPr algn="l">
+              <a:defRPr sz="1200"/>
+            </a:lvl1pPr>
+          </a:lstStyle>
+          <a:p>
+            <a:endParaRPr lang="en-US"/>
+          </a:p>
+        </p:txBody>
+      </p:sp>
+      <p:sp>
+        <p:nvSpPr>
+          <p:cNvPr id="3" name="Date Placeholder 2"/>
+          <p:cNvSpPr>
+            <a:spLocks noGrp="1"/>
+          </p:cNvSpPr>
+          <p:nvPr>
+            <p:ph type="dt" idx="1"/>
+          </p:nvPr>
+        </p:nvSpPr>
+        <p:spPr>
+          <a:xfrm>
+            <a:off x="3884613" y="0"/>
+            <a:ext cx="2971800" cy="458788"/>
+          </a:xfrm>
+          <a:prstGeom prst="rect">
+            <a:avLst/>
+          </a:prstGeom>
+        </p:spPr>
+        <p:txBody>
+          <a:bodyPr vert="horz" lIns="91440" tIns="45720" rIns="91440" bIns="45720" rtlCol="0"/>
+          <a:lstStyle>
+            <a:lvl1pPr algn="r">
+              <a:defRPr sz="1200"/>
+            </a:lvl1pPr>
+          </a:lstStyle>
+          <a:p>
+            <a:fld id="{1A97B96D-ABC4-3C44-843F-AA5649F65902}" type="datetimeFigureOut">
+              <a:rPr lang="en-US" smtClean="0"/>
+              <a:t>11/22/21</a:t>
+            </a:fld>
+            <a:endParaRPr lang="en-US"/>
+          </a:p>
+        </p:txBody>
+      </p:sp>
+      <p:sp>
+        <p:nvSpPr>
+          <p:cNvPr id="4" name="Slide Image Placeholder 3"/>
+          <p:cNvSpPr>
+            <a:spLocks noGrp="1" noRot="1" noChangeAspect="1"/>
+          </p:cNvSpPr>
+          <p:nvPr>
+            <p:ph type="sldImg" idx="2"/>
+          </p:nvPr>
+        </p:nvSpPr>
+        <p:spPr>
+          <a:xfrm>
+            <a:off x="685800" y="1143000"/>
+            <a:ext cx="5486400" cy="3086100"/>
+          </a:xfrm>
+          <a:prstGeom prst="rect">
+            <a:avLst/>
+          </a:prstGeom>
+          <a:noFill/>
+          <a:ln w="12700">
+            <a:solidFill>
+              <a:prstClr val="black"/>
+            </a:solidFill>
+          </a:ln>
+        </p:spPr>
+        <p:txBody>
+          <a:bodyPr vert="horz" lIns="91440" tIns="45720" rIns="91440" bIns="45720" rtlCol="0" anchor="ctr"/>
+          <a:lstStyle/>
+          <a:p>
+            <a:endParaRPr lang="en-US"/>
+          </a:p>
+        </p:txBody>
+      </p:sp>
+      <p:sp>
+        <p:nvSpPr>
+          <p:cNvPr id="5" name="Notes Placeholder 4"/>
+          <p:cNvSpPr>
+            <a:spLocks noGrp="1"/>
+          </p:cNvSpPr>
+          <p:nvPr>
+            <p:ph type="body" sz="quarter" idx="3"/>
+          </p:nvPr>
+        </p:nvSpPr>
+        <p:spPr>
+          <a:xfrm>
+            <a:off x="685800" y="4400550"/>
+            <a:ext cx="5486400" cy="3600450"/>
+          </a:xfrm>
+          <a:prstGeom prst="rect">
+            <a:avLst/>
+          </a:prstGeom>
+        </p:spPr>
+        <p:txBody>
+          <a:bodyPr vert="horz" lIns="91440" tIns="45720" rIns="91440" bIns="45720" rtlCol="0"/>
+          <a:lstStyle/>
+          <a:p>
+            <a:pPr lvl="0"/>
+            <a:r>
+              <a:rPr lang="en-US"/>
+              <a:t>Click to edit Master text styles</a:t>
+            </a:r>
+          </a:p>
+          <a:p>
+            <a:pPr lvl="1"/>
+            <a:r>
+              <a:rPr lang="en-US"/>
+              <a:t>Second level</a:t>
+            </a:r>
+          </a:p>
+          <a:p>
+            <a:pPr lvl="2"/>
+            <a:r>
+              <a:rPr lang="en-US"/>
+              <a:t>Third level</a:t>
+            </a:r>
+          </a:p>
+          <a:p>
+            <a:pPr lvl="3"/>
+            <a:r>
+              <a:rPr lang="en-US"/>
+              <a:t>Fourth level</a:t>
+            </a:r>
+          </a:p>
+          <a:p>
+            <a:pPr lvl="4"/>
+            <a:r>
+              <a:rPr lang="en-US"/>
+              <a:t>Fifth level</a:t>
+            </a:r>
+          </a:p>
+        </p:txBody>
+      </p:sp>
+      <p:sp>
+        <p:nvSpPr>
+          <p:cNvPr id="6" name="Footer Placeholder 5"/>
+          <p:cNvSpPr>
+            <a:spLocks noGrp="1"/>
+          </p:cNvSpPr>
+          <p:nvPr>
+            <p:ph type="ftr" sz="quarter" idx="4"/>
+          </p:nvPr>
+        </p:nvSpPr>
+        <p:spPr>
+          <a:xfrm>
+            <a:off x="0" y="8685213"/>
+            <a:ext cx="2971800" cy="458787"/>
+          </a:xfrm>
+          <a:prstGeom prst="rect">
+            <a:avLst/>
+          </a:prstGeom>
+        </p:spPr>
+        <p:txBody>
+          <a:bodyPr vert="horz" lIns="91440" tIns="45720" rIns="91440" bIns="45720" rtlCol="0" anchor="b"/>
+          <a:lstStyle>
+            <a:lvl1pPr algn="l">
+              <a:defRPr sz="1200"/>
+            </a:lvl1pPr>
+          </a:lstStyle>
+          <a:p>
+            <a:endParaRPr lang="en-US"/>
+          </a:p>
+        </p:txBody>
+      </p:sp>
+      <p:sp>
+        <p:nvSpPr>
+          <p:cNvPr id="7" name="Slide Number Placeholder 6"/>
+          <p:cNvSpPr>
+            <a:spLocks noGrp="1"/>
+          </p:cNvSpPr>
+          <p:nvPr>
+            <p:ph type="sldNum" sz="quarter" idx="5"/>
+          </p:nvPr>
+        </p:nvSpPr>
+        <p:spPr>
+          <a:xfrm>
+            <a:off x="3884613" y="8685213"/>
+            <a:ext cx="2971800" cy="458787"/>
+          </a:xfrm>
+          <a:prstGeom prst="rect">
+            <a:avLst/>
+          </a:prstGeom>
+        </p:spPr>
+        <p:txBody>
+          <a:bodyPr vert="horz" lIns="91440" tIns="45720" rIns="91440" bIns="45720" rtlCol="0" anchor="b"/>
+          <a:lstStyle>
+            <a:lvl1pPr algn="r">
+              <a:defRPr sz="1200"/>
+            </a:lvl1pPr>
+          </a:lstStyle>
+          <a:p>
+            <a:fld id="{BA39F9DB-49D4-654C-A95E-5E67804B8739}" type="slidenum">
+              <a:rPr lang="en-US" smtClean="0"/>
+              <a:t>‹#›</a:t>
+            </a:fld>
+            <a:endParaRPr lang="en-US"/>
+          </a:p>
+        </p:txBody>
+      </p:sp>
+    </p:spTree>
+    <p:extLst>
+      <p:ext uri="{BB962C8B-B14F-4D97-AF65-F5344CB8AC3E}">
+        <p14:creationId xmlns:p14="http://schemas.microsoft.com/office/powerpoint/2010/main" val="4184229356"/>
+      </p:ext>
+    </p:extLst>
+  </p:cSld>
+  <p:clrMap bg1="lt1" tx1="dk1" bg2="lt2" tx2="dk2" accent1="accent1" accent2="accent2" accent3="accent3" accent4="accent4" accent5="accent5" accent6="accent6" hlink="hlink" folHlink="folHlink"/>
+  <p:notesStyle>
+    <a:lvl1pPr marL="0" algn="l" defTabSz="914400" rtl="0" eaLnBrk="1" latinLnBrk="0" hangingPunct="1">
+      <a:defRPr sz="1200" kern="1200">
+        <a:solidFill>
+          <a:schemeClr val="tx1"/>
+        </a:solidFill>
+        <a:latin typeface="+mn-lt"/>
+        <a:ea typeface="+mn-ea"/>
+        <a:cs typeface="+mn-cs"/>
+      </a:defRPr>
+    </a:lvl1pPr>
+    <a:lvl2pPr marL="457200" algn="l" defTabSz="914400" rtl="0" eaLnBrk="1" latinLnBrk="0" hangingPunct="1">
+      <a:defRPr sz="1200" kern="1200">
+        <a:solidFill>
+          <a:schemeClr val="tx1"/>
+        </a:solidFill>
+        <a:latin typeface="+mn-lt"/>
+        <a:ea typeface="+mn-ea"/>
+        <a:cs typeface="+mn-cs"/>
+      </a:defRPr>
+    </a:lvl2pPr>
+    <a:lvl3pPr marL="914400" algn="l" defTabSz="914400" rtl="0" eaLnBrk="1" latinLnBrk="0" hangingPunct="1">
+      <a:defRPr sz="1200" kern="1200">
+        <a:solidFill>
+          <a:schemeClr val="tx1"/>
+        </a:solidFill>
+        <a:latin typeface="+mn-lt"/>
+        <a:ea typeface="+mn-ea"/>
+        <a:cs typeface="+mn-cs"/>
+      </a:defRPr>
+    </a:lvl3pPr>
+    <a:lvl4pPr marL="1371600" algn="l" defTabSz="914400" rtl="0" eaLnBrk="1" latinLnBrk="0" hangingPunct="1">
+      <a:defRPr sz="1200" kern="1200">
+        <a:solidFill>
+          <a:schemeClr val="tx1"/>
+        </a:solidFill>
+        <a:latin typeface="+mn-lt"/>
+        <a:ea typeface="+mn-ea"/>
+        <a:cs typeface="+mn-cs"/>
+      </a:defRPr>
+    </a:lvl4pPr>
+    <a:lvl5pPr marL="1828800" algn="l" defTabSz="914400" rtl="0" eaLnBrk="1" latinLnBrk="0" hangingPunct="1">
+      <a:defRPr sz="1200" kern="1200">
+        <a:solidFill>
+          <a:schemeClr val="tx1"/>
+        </a:solidFill>
+        <a:latin typeface="+mn-lt"/>
+        <a:ea typeface="+mn-ea"/>
+        <a:cs typeface="+mn-cs"/>
+      </a:defRPr>
+    </a:lvl5pPr>
+    <a:lvl6pPr marL="2286000" algn="l" defTabSz="914400" rtl="0" eaLnBrk="1" latinLnBrk="0" hangingPunct="1">
+      <a:defRPr sz="1200" kern="1200">
+        <a:solidFill>
+          <a:schemeClr val="tx1"/>
+        </a:solidFill>
+        <a:latin typeface="+mn-lt"/>
+        <a:ea typeface="+mn-ea"/>
+        <a:cs typeface="+mn-cs"/>
+      </a:defRPr>
+    </a:lvl6pPr>
+    <a:lvl7pPr marL="2743200" algn="l" defTabSz="914400" rtl="0" eaLnBrk="1" latinLnBrk="0" hangingPunct="1">
+      <a:defRPr sz="1200" kern="1200">
+        <a:solidFill>
+          <a:schemeClr val="tx1"/>
+        </a:solidFill>
+        <a:latin typeface="+mn-lt"/>
+        <a:ea typeface="+mn-ea"/>
+        <a:cs typeface="+mn-cs"/>
+      </a:defRPr>
+    </a:lvl7pPr>
+    <a:lvl8pPr marL="3200400" algn="l" defTabSz="914400" rtl="0" eaLnBrk="1" latinLnBrk="0" hangingPunct="1">
+      <a:defRPr sz="1200" kern="1200">
+        <a:solidFill>
+          <a:schemeClr val="tx1"/>
+        </a:solidFill>
+        <a:latin typeface="+mn-lt"/>
+        <a:ea typeface="+mn-ea"/>
+        <a:cs typeface="+mn-cs"/>
+      </a:defRPr>
+    </a:lvl8pPr>
+    <a:lvl9pPr marL="3657600" algn="l" defTabSz="914400" rtl="0" eaLnBrk="1" latinLnBrk="0" hangingPunct="1">
+      <a:defRPr sz="1200" kern="1200">
+        <a:solidFill>
+          <a:schemeClr val="tx1"/>
+        </a:solidFill>
+        <a:latin typeface="+mn-lt"/>
+        <a:ea typeface="+mn-ea"/>
+        <a:cs typeface="+mn-cs"/>
+      </a:defRPr>
+    </a:lvl9pPr>
+  </p:notesStyle>
+</p:notesMaster>
+</file>
+
+<file path=ppt/notesSlides/notesSlide1.xml><?xml version="1.0" encoding="utf-8"?>
+<p:notes xmlns:a="http://schemas.openxmlformats.org/drawingml/2006/main" xmlns:r="http://schemas.openxmlformats.org/officeDocument/2006/relationships" xmlns:p="http://schemas.openxmlformats.org/presentationml/2006/main">
+  <p:cSld>
+    <p:spTree>
+      <p:nvGrpSpPr>
+        <p:cNvPr id="1" name=""/>
+        <p:cNvGrpSpPr/>
+        <p:nvPr/>
+      </p:nvGrpSpPr>
+      <p:grpSpPr>
+        <a:xfrm>
+          <a:off x="0" y="0"/>
+          <a:ext cx="0" cy="0"/>
+          <a:chOff x="0" y="0"/>
+          <a:chExt cx="0" cy="0"/>
+        </a:xfrm>
+      </p:grpSpPr>
+      <p:sp>
+        <p:nvSpPr>
+          <p:cNvPr id="2" name="Slide Image Placeholder 1"/>
+          <p:cNvSpPr>
+            <a:spLocks noGrp="1" noRot="1" noChangeAspect="1"/>
+          </p:cNvSpPr>
+          <p:nvPr>
+            <p:ph type="sldImg"/>
+          </p:nvPr>
+        </p:nvSpPr>
+        <p:spPr/>
+      </p:sp>
+      <mc:AlternateContent xmlns:mc="http://schemas.openxmlformats.org/markup-compatibility/2006">
+        <mc:Choice xmlns:a14="http://schemas.microsoft.com/office/drawing/2010/main" Requires="a14">
+          <p:sp>
+            <p:nvSpPr>
+              <p:cNvPr id="3" name="Notes Placeholder 2"/>
+              <p:cNvSpPr>
+                <a:spLocks noGrp="1"/>
+              </p:cNvSpPr>
+              <p:nvPr>
+                <p:ph type="body" idx="1"/>
+              </p:nvPr>
+            </p:nvSpPr>
+            <p:spPr/>
+            <p:txBody>
+              <a:bodyPr/>
+              <a:lstStyle/>
+              <a:p>
+                <a:pPr marL="228600" indent="-228600">
+                  <a:buAutoNum type="arabicPeriod"/>
+                </a:pPr>
+                <a:r>
+                  <a:rPr lang="en-US" dirty="0"/>
+                  <a:t>There is a minor point here about how reasonable it is to condition on the squared version of a variable. However, we can make the same argument if instead of </a:t>
+                </a:r>
+                <a14:m>
+                  <m:oMath xmlns:m="http://schemas.openxmlformats.org/officeDocument/2006/math">
+                    <m:sSub>
+                      <m:sSubPr>
+                        <m:ctrlPr>
+                          <a:rPr lang="en-US" b="0" i="1" smtClean="0">
+                            <a:latin typeface="Cambria Math" panose="02040503050406030204" pitchFamily="18" charset="0"/>
+                          </a:rPr>
+                        </m:ctrlPr>
+                      </m:sSubPr>
+                      <m:e>
+                        <m:r>
+                          <a:rPr lang="en-US" b="0" i="1" smtClean="0">
+                            <a:latin typeface="Cambria Math" panose="02040503050406030204" pitchFamily="18" charset="0"/>
+                          </a:rPr>
+                          <m:t>𝑧</m:t>
+                        </m:r>
+                      </m:e>
+                      <m:sub>
+                        <m:r>
+                          <a:rPr lang="en-US" b="0" i="1" smtClean="0">
+                            <a:latin typeface="Cambria Math" panose="02040503050406030204" pitchFamily="18" charset="0"/>
+                          </a:rPr>
+                          <m:t>1</m:t>
+                        </m:r>
+                        <m:r>
+                          <a:rPr lang="en-US" b="0" i="1" smtClean="0">
+                            <a:latin typeface="Cambria Math" panose="02040503050406030204" pitchFamily="18" charset="0"/>
+                          </a:rPr>
+                          <m:t>𝑖</m:t>
+                        </m:r>
+                      </m:sub>
+                    </m:sSub>
+                  </m:oMath>
+                </a14:m>
+                <a:r>
+                  <a:rPr lang="en-US" dirty="0"/>
+                  <a:t>, we had </a:t>
+                </a:r>
+                <a14:m>
+                  <m:oMath xmlns:m="http://schemas.openxmlformats.org/officeDocument/2006/math">
+                    <m:sSub>
+                      <m:sSubPr>
+                        <m:ctrlPr>
+                          <a:rPr lang="en-US" b="0" i="1" smtClean="0">
+                            <a:latin typeface="Cambria Math" panose="02040503050406030204" pitchFamily="18" charset="0"/>
+                          </a:rPr>
+                        </m:ctrlPr>
+                      </m:sSubPr>
+                      <m:e>
+                        <m:r>
+                          <a:rPr lang="en-US" b="0" i="1" smtClean="0">
+                            <a:latin typeface="Cambria Math" panose="02040503050406030204" pitchFamily="18" charset="0"/>
+                          </a:rPr>
+                          <m:t>𝑧</m:t>
+                        </m:r>
+                      </m:e>
+                      <m:sub>
+                        <m:r>
+                          <a:rPr lang="en-US" b="0" i="1" smtClean="0">
+                            <a:latin typeface="Cambria Math" panose="02040503050406030204" pitchFamily="18" charset="0"/>
+                          </a:rPr>
+                          <m:t>2</m:t>
+                        </m:r>
+                        <m:r>
+                          <a:rPr lang="en-US" b="0" i="1" smtClean="0">
+                            <a:latin typeface="Cambria Math" panose="02040503050406030204" pitchFamily="18" charset="0"/>
+                          </a:rPr>
+                          <m:t>𝑖</m:t>
+                        </m:r>
+                      </m:sub>
+                    </m:sSub>
+                  </m:oMath>
+                </a14:m>
+                <a:r>
+                  <a:rPr lang="en-US" dirty="0"/>
+                  <a:t>. Note the argument </a:t>
+                </a:r>
+                <a14:m>
+                  <m:oMath xmlns:m="http://schemas.openxmlformats.org/officeDocument/2006/math">
+                    <m:sSub>
+                      <m:sSubPr>
+                        <m:ctrlPr>
+                          <a:rPr lang="en-US" i="1" smtClean="0">
+                            <a:latin typeface="Cambria Math" panose="02040503050406030204" pitchFamily="18" charset="0"/>
+                          </a:rPr>
+                        </m:ctrlPr>
+                      </m:sSubPr>
+                      <m:e>
+                        <m:acc>
+                          <m:accPr>
+                            <m:chr m:val="̃"/>
+                            <m:ctrlPr>
+                              <a:rPr lang="en-US" i="1">
+                                <a:latin typeface="Cambria Math" panose="02040503050406030204" pitchFamily="18" charset="0"/>
+                              </a:rPr>
+                            </m:ctrlPr>
+                          </m:accPr>
+                          <m:e>
+                            <m:r>
+                              <a:rPr lang="en-US" i="1">
+                                <a:latin typeface="Cambria Math" panose="02040503050406030204" pitchFamily="18" charset="0"/>
+                              </a:rPr>
+                              <m:t>𝑇</m:t>
+                            </m:r>
+                          </m:e>
+                        </m:acc>
+                      </m:e>
+                      <m:sub>
+                        <m:r>
+                          <a:rPr lang="en-US" i="1">
+                            <a:latin typeface="Cambria Math" panose="02040503050406030204" pitchFamily="18" charset="0"/>
+                          </a:rPr>
+                          <m:t>𝑖</m:t>
+                        </m:r>
+                      </m:sub>
+                    </m:sSub>
+                  </m:oMath>
+                </a14:m>
+                <a:r>
+                  <a:rPr lang="en-US" dirty="0"/>
+                  <a:t> contains information</a:t>
+                </a:r>
+                <a:r>
+                  <a:rPr lang="en-US" baseline="0" dirty="0"/>
+                  <a:t> about the other covariates does not hold because by construction it has to be uncorrelated with other features.</a:t>
+                </a:r>
+              </a:p>
+              <a:p>
+                <a:pPr marL="228600" indent="-228600">
+                  <a:buAutoNum type="arabicPeriod"/>
+                </a:pPr>
+                <a:r>
+                  <a:rPr lang="en-US" baseline="0" dirty="0"/>
+                  <a:t>The linear expectation is done because OLS implicitly does a linear expectation for </a:t>
+                </a:r>
+                <a:r>
+                  <a:rPr lang="en-US" baseline="0" dirty="0" err="1"/>
+                  <a:t>residualization</a:t>
+                </a:r>
+                <a:r>
+                  <a:rPr lang="en-US" baseline="0" dirty="0"/>
+                  <a:t>. You can see this yourself if you were to use OLS (without any cross-fitting) in a simple DML model.</a:t>
+                </a:r>
+                <a:endParaRPr lang="en-US" dirty="0"/>
+              </a:p>
+            </p:txBody>
+          </p:sp>
+        </mc:Choice>
+        <mc:Fallback>
+          <p:sp>
+            <p:nvSpPr>
+              <p:cNvPr id="3" name="Notes Placeholder 2"/>
+              <p:cNvSpPr>
+                <a:spLocks noGrp="1"/>
+              </p:cNvSpPr>
+              <p:nvPr>
+                <p:ph type="body" idx="1"/>
+              </p:nvPr>
+            </p:nvSpPr>
+            <p:spPr/>
+            <p:txBody>
+              <a:bodyPr/>
+              <a:lstStyle/>
+              <a:p>
+                <a:pPr marL="228600" indent="-228600">
+                  <a:buAutoNum type="arabicPeriod"/>
+                </a:pPr>
+                <a:r>
+                  <a:rPr lang="en-US" dirty="0"/>
+                  <a:t>There is a minor point here about how reasonable it is to condition on the squared version of a variable. However, we can make the same argument if instead of </a:t>
+                </a:r>
+                <a:r>
+                  <a:rPr lang="en-US" b="0" i="0">
+                    <a:latin typeface="Cambria Math" panose="02040503050406030204" pitchFamily="18" charset="0"/>
+                  </a:rPr>
+                  <a:t>𝑧_1𝑖</a:t>
+                </a:r>
+                <a:r>
+                  <a:rPr lang="en-US" dirty="0"/>
+                  <a:t>, we had </a:t>
+                </a:r>
+                <a:r>
+                  <a:rPr lang="en-US" b="0" i="0">
+                    <a:latin typeface="Cambria Math" panose="02040503050406030204" pitchFamily="18" charset="0"/>
+                  </a:rPr>
+                  <a:t>𝑧_2𝑖</a:t>
+                </a:r>
+                <a:r>
+                  <a:rPr lang="en-US" dirty="0"/>
+                  <a:t>. Note the argument </a:t>
+                </a:r>
+                <a:r>
+                  <a:rPr lang="en-US" i="0">
+                    <a:latin typeface="Cambria Math" panose="02040503050406030204" pitchFamily="18" charset="0"/>
+                  </a:rPr>
+                  <a:t>𝑇 ̃_𝑖</a:t>
+                </a:r>
+                <a:r>
+                  <a:rPr lang="en-US" dirty="0"/>
+                  <a:t> contains information</a:t>
+                </a:r>
+                <a:r>
+                  <a:rPr lang="en-US" baseline="0" dirty="0"/>
+                  <a:t> about the other covariates does not hold because by construction it has to be uncorrelated with other features.</a:t>
+                </a:r>
+              </a:p>
+              <a:p>
+                <a:pPr marL="228600" indent="-228600">
+                  <a:buAutoNum type="arabicPeriod"/>
+                </a:pPr>
+                <a:r>
+                  <a:rPr lang="en-US" baseline="0" dirty="0"/>
+                  <a:t>The linear expectation is done because OLS implicitly does a linear expectation for </a:t>
+                </a:r>
+                <a:r>
+                  <a:rPr lang="en-US" baseline="0" dirty="0" err="1"/>
+                  <a:t>residualization</a:t>
+                </a:r>
+                <a:r>
+                  <a:rPr lang="en-US" baseline="0" dirty="0"/>
+                  <a:t>. You can see this yourself if you were to use OLS (without any cross-fitting) in a simple DML model.</a:t>
+                </a:r>
+                <a:endParaRPr lang="en-US" dirty="0"/>
+              </a:p>
+            </p:txBody>
+          </p:sp>
+        </mc:Fallback>
+      </mc:AlternateContent>
+      <p:sp>
+        <p:nvSpPr>
+          <p:cNvPr id="4" name="Slide Number Placeholder 3"/>
+          <p:cNvSpPr>
+            <a:spLocks noGrp="1"/>
+          </p:cNvSpPr>
+          <p:nvPr>
+            <p:ph type="sldNum" sz="quarter" idx="5"/>
+          </p:nvPr>
+        </p:nvSpPr>
+        <p:spPr/>
+        <p:txBody>
+          <a:bodyPr/>
+          <a:lstStyle/>
+          <a:p>
+            <a:fld id="{BA39F9DB-49D4-654C-A95E-5E67804B8739}" type="slidenum">
+              <a:rPr lang="en-US" smtClean="0"/>
+              <a:t>13</a:t>
+            </a:fld>
+            <a:endParaRPr lang="en-US"/>
+          </a:p>
+        </p:txBody>
+      </p:sp>
+    </p:spTree>
+    <p:extLst>
+      <p:ext uri="{BB962C8B-B14F-4D97-AF65-F5344CB8AC3E}">
+        <p14:creationId xmlns:p14="http://schemas.microsoft.com/office/powerpoint/2010/main" val="2889620171"/>
+      </p:ext>
+    </p:extLst>
+  </p:cSld>
+  <p:clrMapOvr>
+    <a:masterClrMapping/>
+  </p:clrMapOvr>
+</p:notes>
 </file>
 
 <file path=ppt/slideLayouts/slideLayout1.xml><?xml version="1.0" encoding="utf-8"?>
@@ -267,7 +943,7 @@
           <a:p>
             <a:fld id="{4A47E49A-2EFC-E94F-803D-CBAB5BCB27C5}" type="datetimeFigureOut">
               <a:rPr lang="en-US" smtClean="0"/>
-              <a:t>11/17/21</a:t>
+              <a:t>11/22/21</a:t>
             </a:fld>
             <a:endParaRPr lang="en-US"/>
           </a:p>
@@ -465,7 +1141,7 @@
           <a:p>
             <a:fld id="{4A47E49A-2EFC-E94F-803D-CBAB5BCB27C5}" type="datetimeFigureOut">
               <a:rPr lang="en-US" smtClean="0"/>
-              <a:t>11/17/21</a:t>
+              <a:t>11/22/21</a:t>
             </a:fld>
             <a:endParaRPr lang="en-US"/>
           </a:p>
@@ -673,7 +1349,7 @@
           <a:p>
             <a:fld id="{4A47E49A-2EFC-E94F-803D-CBAB5BCB27C5}" type="datetimeFigureOut">
               <a:rPr lang="en-US" smtClean="0"/>
-              <a:t>11/17/21</a:t>
+              <a:t>11/22/21</a:t>
             </a:fld>
             <a:endParaRPr lang="en-US"/>
           </a:p>
@@ -871,7 +1547,7 @@
           <a:p>
             <a:fld id="{4A47E49A-2EFC-E94F-803D-CBAB5BCB27C5}" type="datetimeFigureOut">
               <a:rPr lang="en-US" smtClean="0"/>
-              <a:t>11/17/21</a:t>
+              <a:t>11/22/21</a:t>
             </a:fld>
             <a:endParaRPr lang="en-US"/>
           </a:p>
@@ -1146,7 +1822,7 @@
           <a:p>
             <a:fld id="{4A47E49A-2EFC-E94F-803D-CBAB5BCB27C5}" type="datetimeFigureOut">
               <a:rPr lang="en-US" smtClean="0"/>
-              <a:t>11/17/21</a:t>
+              <a:t>11/22/21</a:t>
             </a:fld>
             <a:endParaRPr lang="en-US"/>
           </a:p>
@@ -1411,7 +2087,7 @@
           <a:p>
             <a:fld id="{4A47E49A-2EFC-E94F-803D-CBAB5BCB27C5}" type="datetimeFigureOut">
               <a:rPr lang="en-US" smtClean="0"/>
-              <a:t>11/17/21</a:t>
+              <a:t>11/22/21</a:t>
             </a:fld>
             <a:endParaRPr lang="en-US"/>
           </a:p>
@@ -1823,7 +2499,7 @@
           <a:p>
             <a:fld id="{4A47E49A-2EFC-E94F-803D-CBAB5BCB27C5}" type="datetimeFigureOut">
               <a:rPr lang="en-US" smtClean="0"/>
-              <a:t>11/17/21</a:t>
+              <a:t>11/22/21</a:t>
             </a:fld>
             <a:endParaRPr lang="en-US"/>
           </a:p>
@@ -1964,7 +2640,7 @@
           <a:p>
             <a:fld id="{4A47E49A-2EFC-E94F-803D-CBAB5BCB27C5}" type="datetimeFigureOut">
               <a:rPr lang="en-US" smtClean="0"/>
-              <a:t>11/17/21</a:t>
+              <a:t>11/22/21</a:t>
             </a:fld>
             <a:endParaRPr lang="en-US"/>
           </a:p>
@@ -2077,7 +2753,7 @@
           <a:p>
             <a:fld id="{4A47E49A-2EFC-E94F-803D-CBAB5BCB27C5}" type="datetimeFigureOut">
               <a:rPr lang="en-US" smtClean="0"/>
-              <a:t>11/17/21</a:t>
+              <a:t>11/22/21</a:t>
             </a:fld>
             <a:endParaRPr lang="en-US"/>
           </a:p>
@@ -2388,7 +3064,7 @@
           <a:p>
             <a:fld id="{4A47E49A-2EFC-E94F-803D-CBAB5BCB27C5}" type="datetimeFigureOut">
               <a:rPr lang="en-US" smtClean="0"/>
-              <a:t>11/17/21</a:t>
+              <a:t>11/22/21</a:t>
             </a:fld>
             <a:endParaRPr lang="en-US"/>
           </a:p>
@@ -2676,7 +3352,7 @@
           <a:p>
             <a:fld id="{4A47E49A-2EFC-E94F-803D-CBAB5BCB27C5}" type="datetimeFigureOut">
               <a:rPr lang="en-US" smtClean="0"/>
-              <a:t>11/17/21</a:t>
+              <a:t>11/22/21</a:t>
             </a:fld>
             <a:endParaRPr lang="en-US"/>
           </a:p>
@@ -2917,7 +3593,7 @@
           <a:p>
             <a:fld id="{4A47E49A-2EFC-E94F-803D-CBAB5BCB27C5}" type="datetimeFigureOut">
               <a:rPr lang="en-US" smtClean="0"/>
-              <a:t>11/17/21</a:t>
+              <a:t>11/22/21</a:t>
             </a:fld>
             <a:endParaRPr lang="en-US"/>
           </a:p>
@@ -3366,7 +4042,7 @@
             </a:br>
             <a:r>
               <a:rPr lang="en-US" dirty="0"/>
-              <a:t>Part 2: Heterogeneous Treatment Effect Models and Inference</a:t>
+              <a:t>Part 5: Heterogeneous Treatment Effect Models and Inference</a:t>
             </a:r>
           </a:p>
         </p:txBody>
@@ -3493,7 +4169,9 @@
             </p:nvSpPr>
             <p:spPr/>
             <p:txBody>
-              <a:bodyPr/>
+              <a:bodyPr>
+                <a:normAutofit lnSpcReduction="10000"/>
+              </a:bodyPr>
               <a:lstStyle/>
               <a:p>
                 <a:r>
@@ -3579,6 +4257,74 @@
                         <m:sub>
                           <m:r>
                             <a:rPr lang="en-US" b="0" i="1" smtClean="0">
+                              <a:latin typeface="Cambria Math" panose="02040503050406030204" pitchFamily="18" charset="0"/>
+                            </a:rPr>
+                            <m:t>𝑖</m:t>
+                          </m:r>
+                        </m:sub>
+                      </m:sSub>
+                      <m:r>
+                        <a:rPr lang="en-US" b="0" i="1" smtClean="0">
+                          <a:latin typeface="Cambria Math" panose="02040503050406030204" pitchFamily="18" charset="0"/>
+                        </a:rPr>
+                        <m:t>+</m:t>
+                      </m:r>
+                      <m:sSub>
+                        <m:sSubPr>
+                          <m:ctrlPr>
+                            <a:rPr lang="en-US" i="1">
+                              <a:latin typeface="Cambria Math" panose="02040503050406030204" pitchFamily="18" charset="0"/>
+                            </a:rPr>
+                          </m:ctrlPr>
+                        </m:sSubPr>
+                        <m:e>
+                          <m:acc>
+                            <m:accPr>
+                              <m:chr m:val="̂"/>
+                              <m:ctrlPr>
+                                <a:rPr lang="en-US" i="1">
+                                  <a:latin typeface="Cambria Math" panose="02040503050406030204" pitchFamily="18" charset="0"/>
+                                </a:rPr>
+                              </m:ctrlPr>
+                            </m:accPr>
+                            <m:e>
+                              <m:r>
+                                <a:rPr lang="en-US" i="1">
+                                  <a:latin typeface="Cambria Math" panose="02040503050406030204" pitchFamily="18" charset="0"/>
+                                </a:rPr>
+                                <m:t>𝜏</m:t>
+                              </m:r>
+                            </m:e>
+                          </m:acc>
+                        </m:e>
+                        <m:sub>
+                          <m:r>
+                            <a:rPr lang="en-US" b="0" i="1" smtClean="0">
+                              <a:latin typeface="Cambria Math" panose="02040503050406030204" pitchFamily="18" charset="0"/>
+                            </a:rPr>
+                            <m:t>0</m:t>
+                          </m:r>
+                        </m:sub>
+                      </m:sSub>
+                      <m:sSub>
+                        <m:sSubPr>
+                          <m:ctrlPr>
+                            <a:rPr lang="en-US" i="1">
+                              <a:latin typeface="Cambria Math" panose="02040503050406030204" pitchFamily="18" charset="0"/>
+                            </a:rPr>
+                          </m:ctrlPr>
+                        </m:sSubPr>
+                        <m:e>
+                          <m:r>
+                            <a:rPr lang="en-US" i="1">
+                              <a:latin typeface="Cambria Math" panose="02040503050406030204" pitchFamily="18" charset="0"/>
+                            </a:rPr>
+                            <m:t>𝑇</m:t>
+                          </m:r>
+                        </m:e>
+                        <m:sub>
+                          <m:r>
+                            <a:rPr lang="en-US" i="1">
                               <a:latin typeface="Cambria Math" panose="02040503050406030204" pitchFamily="18" charset="0"/>
                             </a:rPr>
                             <m:t>𝑖</m:t>
@@ -3906,6 +4652,86 @@
                           <a:latin typeface="Cambria Math" panose="02040503050406030204" pitchFamily="18" charset="0"/>
                         </a:rPr>
                         <m:t>=</m:t>
+                      </m:r>
+                      <m:sSub>
+                        <m:sSubPr>
+                          <m:ctrlPr>
+                            <a:rPr lang="en-US" i="1">
+                              <a:latin typeface="Cambria Math" panose="02040503050406030204" pitchFamily="18" charset="0"/>
+                            </a:rPr>
+                          </m:ctrlPr>
+                        </m:sSubPr>
+                        <m:e>
+                          <m:acc>
+                            <m:accPr>
+                              <m:chr m:val="̂"/>
+                              <m:ctrlPr>
+                                <a:rPr lang="en-US" i="1">
+                                  <a:latin typeface="Cambria Math" panose="02040503050406030204" pitchFamily="18" charset="0"/>
+                                </a:rPr>
+                              </m:ctrlPr>
+                            </m:accPr>
+                            <m:e>
+                              <m:r>
+                                <a:rPr lang="en-US" i="1">
+                                  <a:latin typeface="Cambria Math" panose="02040503050406030204" pitchFamily="18" charset="0"/>
+                                </a:rPr>
+                                <m:t>𝜏</m:t>
+                              </m:r>
+                            </m:e>
+                          </m:acc>
+                        </m:e>
+                        <m:sub>
+                          <m:r>
+                            <a:rPr lang="en-US" b="0" i="1" smtClean="0">
+                              <a:latin typeface="Cambria Math" panose="02040503050406030204" pitchFamily="18" charset="0"/>
+                            </a:rPr>
+                            <m:t>0</m:t>
+                          </m:r>
+                        </m:sub>
+                      </m:sSub>
+                      <m:sSub>
+                        <m:sSubPr>
+                          <m:ctrlPr>
+                            <a:rPr lang="en-US" i="1" smtClean="0">
+                              <a:latin typeface="Cambria Math" panose="02040503050406030204" pitchFamily="18" charset="0"/>
+                            </a:rPr>
+                          </m:ctrlPr>
+                        </m:sSubPr>
+                        <m:e>
+                          <m:acc>
+                            <m:accPr>
+                              <m:chr m:val="̃"/>
+                              <m:ctrlPr>
+                                <a:rPr lang="en-US" i="1">
+                                  <a:latin typeface="Cambria Math" panose="02040503050406030204" pitchFamily="18" charset="0"/>
+                                </a:rPr>
+                              </m:ctrlPr>
+                            </m:accPr>
+                            <m:e>
+                              <m:r>
+                                <a:rPr lang="en-US" i="1">
+                                  <a:latin typeface="Cambria Math" panose="02040503050406030204" pitchFamily="18" charset="0"/>
+                                </a:rPr>
+                                <m:t>𝑇</m:t>
+                              </m:r>
+                            </m:e>
+                          </m:acc>
+                        </m:e>
+                        <m:sub>
+                          <m:r>
+                            <a:rPr lang="en-US" i="1">
+                              <a:latin typeface="Cambria Math" panose="02040503050406030204" pitchFamily="18" charset="0"/>
+                            </a:rPr>
+                            <m:t>𝑖</m:t>
+                          </m:r>
+                        </m:sub>
+                      </m:sSub>
+                      <m:r>
+                        <a:rPr lang="en-US" b="0" i="1" smtClean="0">
+                          <a:latin typeface="Cambria Math" panose="02040503050406030204" pitchFamily="18" charset="0"/>
+                        </a:rPr>
+                        <m:t>+</m:t>
                       </m:r>
                       <m:sSub>
                         <m:sSubPr>
@@ -4274,7 +5100,13 @@
                 </a:r>
                 <a:r>
                   <a:rPr lang="en-US" dirty="0"/>
-                  <a:t> outcome and treatment</a:t>
+                  <a:t> outcome and treatment.</a:t>
+                </a:r>
+              </a:p>
+              <a:p>
+                <a:r>
+                  <a:rPr lang="en-US" dirty="0"/>
+                  <a:t>This works via Frisch-Waugh-Lovell, which will come up again when we look at the Heterogeneous Residuals model.</a:t>
                 </a:r>
               </a:p>
               <a:p>
@@ -4304,7 +5136,7 @@
               <a:blipFill>
                 <a:blip r:embed="rId2"/>
                 <a:stretch>
-                  <a:fillRect l="-1086" t="-2326"/>
+                  <a:fillRect l="-1086" t="-3198"/>
                 </a:stretch>
               </a:blipFill>
             </p:spPr>
@@ -4406,7 +5238,7 @@
               <a:p>
                 <a:r>
                   <a:rPr lang="en-US" dirty="0"/>
-                  <a:t>We now need to do inference individual treatment effects from</a:t>
+                  <a:t>We now need to do inference for individual treatment effects from</a:t>
                 </a:r>
               </a:p>
               <a:p>
@@ -4465,6 +5297,86 @@
                       <m:sSub>
                         <m:sSubPr>
                           <m:ctrlPr>
+                            <a:rPr lang="en-US" i="1">
+                              <a:latin typeface="Cambria Math" panose="02040503050406030204" pitchFamily="18" charset="0"/>
+                            </a:rPr>
+                          </m:ctrlPr>
+                        </m:sSubPr>
+                        <m:e>
+                          <m:acc>
+                            <m:accPr>
+                              <m:chr m:val="̂"/>
+                              <m:ctrlPr>
+                                <a:rPr lang="en-US" i="1">
+                                  <a:latin typeface="Cambria Math" panose="02040503050406030204" pitchFamily="18" charset="0"/>
+                                </a:rPr>
+                              </m:ctrlPr>
+                            </m:accPr>
+                            <m:e>
+                              <m:r>
+                                <a:rPr lang="en-US" i="1">
+                                  <a:latin typeface="Cambria Math" panose="02040503050406030204" pitchFamily="18" charset="0"/>
+                                </a:rPr>
+                                <m:t>𝜏</m:t>
+                              </m:r>
+                            </m:e>
+                          </m:acc>
+                        </m:e>
+                        <m:sub>
+                          <m:r>
+                            <a:rPr lang="en-US" b="0" i="1" smtClean="0">
+                              <a:latin typeface="Cambria Math" panose="02040503050406030204" pitchFamily="18" charset="0"/>
+                            </a:rPr>
+                            <m:t>0</m:t>
+                          </m:r>
+                        </m:sub>
+                      </m:sSub>
+                      <m:sSub>
+                        <m:sSubPr>
+                          <m:ctrlPr>
+                            <a:rPr lang="en-US" i="1">
+                              <a:latin typeface="Cambria Math" panose="02040503050406030204" pitchFamily="18" charset="0"/>
+                            </a:rPr>
+                          </m:ctrlPr>
+                        </m:sSubPr>
+                        <m:e>
+                          <m:acc>
+                            <m:accPr>
+                              <m:chr m:val="̃"/>
+                              <m:ctrlPr>
+                                <a:rPr lang="en-US" i="1">
+                                  <a:latin typeface="Cambria Math" panose="02040503050406030204" pitchFamily="18" charset="0"/>
+                                </a:rPr>
+                              </m:ctrlPr>
+                            </m:accPr>
+                            <m:e>
+                              <m:r>
+                                <a:rPr lang="en-US" i="1">
+                                  <a:latin typeface="Cambria Math" panose="02040503050406030204" pitchFamily="18" charset="0"/>
+                                </a:rPr>
+                                <m:t>𝑇</m:t>
+                              </m:r>
+                            </m:e>
+                          </m:acc>
+                        </m:e>
+                        <m:sub>
+                          <m:r>
+                            <a:rPr lang="en-US" i="1">
+                              <a:latin typeface="Cambria Math" panose="02040503050406030204" pitchFamily="18" charset="0"/>
+                            </a:rPr>
+                            <m:t>𝑖</m:t>
+                          </m:r>
+                        </m:sub>
+                      </m:sSub>
+                      <m:r>
+                        <a:rPr lang="en-US" b="0" i="1" smtClean="0">
+                          <a:latin typeface="Cambria Math" panose="02040503050406030204" pitchFamily="18" charset="0"/>
+                        </a:rPr>
+                        <m:t>+</m:t>
+                      </m:r>
+                      <m:sSub>
+                        <m:sSubPr>
+                          <m:ctrlPr>
                             <a:rPr lang="en-US" b="0" i="1" smtClean="0">
                               <a:latin typeface="Cambria Math" panose="02040503050406030204" pitchFamily="18" charset="0"/>
                             </a:rPr>
@@ -4731,7 +5643,7 @@
               <a:p>
                 <a:r>
                   <a:rPr lang="en-US" dirty="0"/>
-                  <a:t>HTE is then </a:t>
+                  <a:t>HTE is </a:t>
                 </a:r>
                 <a14:m>
                   <m:oMath xmlns:m="http://schemas.openxmlformats.org/officeDocument/2006/math">
@@ -5175,6 +6087,86 @@
                           </m:ctrlPr>
                         </m:sSubPr>
                         <m:e>
+                          <m:sSub>
+                            <m:sSubPr>
+                              <m:ctrlPr>
+                                <a:rPr lang="en-US" i="1">
+                                  <a:latin typeface="Cambria Math" panose="02040503050406030204" pitchFamily="18" charset="0"/>
+                                </a:rPr>
+                              </m:ctrlPr>
+                            </m:sSubPr>
+                            <m:e>
+                              <m:acc>
+                                <m:accPr>
+                                  <m:chr m:val="̂"/>
+                                  <m:ctrlPr>
+                                    <a:rPr lang="en-US" i="1">
+                                      <a:latin typeface="Cambria Math" panose="02040503050406030204" pitchFamily="18" charset="0"/>
+                                    </a:rPr>
+                                  </m:ctrlPr>
+                                </m:accPr>
+                                <m:e>
+                                  <m:r>
+                                    <a:rPr lang="en-US" i="1">
+                                      <a:latin typeface="Cambria Math" panose="02040503050406030204" pitchFamily="18" charset="0"/>
+                                    </a:rPr>
+                                    <m:t>𝜏</m:t>
+                                  </m:r>
+                                </m:e>
+                              </m:acc>
+                            </m:e>
+                            <m:sub>
+                              <m:r>
+                                <a:rPr lang="en-US" i="1">
+                                  <a:latin typeface="Cambria Math" panose="02040503050406030204" pitchFamily="18" charset="0"/>
+                                </a:rPr>
+                                <m:t>0</m:t>
+                              </m:r>
+                            </m:sub>
+                          </m:sSub>
+                          <m:sSub>
+                            <m:sSubPr>
+                              <m:ctrlPr>
+                                <a:rPr lang="en-US" i="1">
+                                  <a:latin typeface="Cambria Math" panose="02040503050406030204" pitchFamily="18" charset="0"/>
+                                </a:rPr>
+                              </m:ctrlPr>
+                            </m:sSubPr>
+                            <m:e>
+                              <m:acc>
+                                <m:accPr>
+                                  <m:chr m:val="̃"/>
+                                  <m:ctrlPr>
+                                    <a:rPr lang="en-US" i="1">
+                                      <a:latin typeface="Cambria Math" panose="02040503050406030204" pitchFamily="18" charset="0"/>
+                                    </a:rPr>
+                                  </m:ctrlPr>
+                                </m:accPr>
+                                <m:e>
+                                  <m:r>
+                                    <a:rPr lang="en-US" i="1">
+                                      <a:latin typeface="Cambria Math" panose="02040503050406030204" pitchFamily="18" charset="0"/>
+                                    </a:rPr>
+                                    <m:t>𝑇</m:t>
+                                  </m:r>
+                                </m:e>
+                              </m:acc>
+                            </m:e>
+                            <m:sub>
+                              <m:r>
+                                <a:rPr lang="en-US" i="1">
+                                  <a:latin typeface="Cambria Math" panose="02040503050406030204" pitchFamily="18" charset="0"/>
+                                </a:rPr>
+                                <m:t>𝑖</m:t>
+                              </m:r>
+                            </m:sub>
+                          </m:sSub>
+                          <m:r>
+                            <a:rPr lang="en-US" b="0" i="1" smtClean="0">
+                              <a:latin typeface="Cambria Math" panose="02040503050406030204" pitchFamily="18" charset="0"/>
+                            </a:rPr>
+                            <m:t>+</m:t>
+                          </m:r>
                           <m:acc>
                             <m:accPr>
                               <m:chr m:val="̂"/>
@@ -5474,7 +6466,7 @@
                 </a14:m>
                 <a:r>
                   <a:rPr lang="en-US" dirty="0"/>
-                  <a:t>. In other words, an overfitting problem.</a:t>
+                  <a:t>. In other words, overfitting.</a:t>
                 </a:r>
               </a:p>
               <a:p>
@@ -5638,40 +6630,1467 @@
           <a:p>
             <a:r>
               <a:rPr lang="en-US" dirty="0"/>
-              <a:t>Heterogeneous residuals</a:t>
+              <a:t>Heterogeneous residuals (HR)</a:t>
             </a:r>
           </a:p>
         </p:txBody>
       </p:sp>
-      <p:sp>
-        <p:nvSpPr>
-          <p:cNvPr id="3" name="Content Placeholder 2">
-            <a:extLst>
-              <a:ext uri="{FF2B5EF4-FFF2-40B4-BE49-F238E27FC236}">
-                <a16:creationId xmlns:a16="http://schemas.microsoft.com/office/drawing/2014/main" id="{5A5C6A5E-7DAF-B641-B842-0EE1426E5F1E}"/>
-              </a:ext>
-            </a:extLst>
-          </p:cNvPr>
-          <p:cNvSpPr>
-            <a:spLocks noGrp="1"/>
-          </p:cNvSpPr>
-          <p:nvPr>
-            <p:ph idx="1"/>
-          </p:nvPr>
-        </p:nvSpPr>
-        <p:spPr/>
-        <p:txBody>
-          <a:bodyPr/>
-          <a:lstStyle/>
-          <a:p>
-            <a:endParaRPr lang="en-US" dirty="0"/>
-          </a:p>
-        </p:txBody>
-      </p:sp>
+      <mc:AlternateContent xmlns:mc="http://schemas.openxmlformats.org/markup-compatibility/2006">
+        <mc:Choice xmlns:a14="http://schemas.microsoft.com/office/drawing/2010/main" Requires="a14">
+          <p:sp>
+            <p:nvSpPr>
+              <p:cNvPr id="3" name="Content Placeholder 2">
+                <a:extLst>
+                  <a:ext uri="{FF2B5EF4-FFF2-40B4-BE49-F238E27FC236}">
+                    <a16:creationId xmlns:a16="http://schemas.microsoft.com/office/drawing/2014/main" id="{5A5C6A5E-7DAF-B641-B842-0EE1426E5F1E}"/>
+                  </a:ext>
+                </a:extLst>
+              </p:cNvPr>
+              <p:cNvSpPr>
+                <a:spLocks noGrp="1"/>
+              </p:cNvSpPr>
+              <p:nvPr>
+                <p:ph idx="1"/>
+              </p:nvPr>
+            </p:nvSpPr>
+            <p:spPr/>
+            <p:txBody>
+              <a:bodyPr/>
+              <a:lstStyle/>
+              <a:p>
+                <a:r>
+                  <a:rPr lang="en-US" dirty="0"/>
+                  <a:t>Based on SGCT and does more flexible </a:t>
+                </a:r>
+                <a:r>
+                  <a:rPr lang="en-US" dirty="0" err="1"/>
+                  <a:t>residualization</a:t>
+                </a:r>
+                <a:r>
+                  <a:rPr lang="en-US" dirty="0"/>
+                  <a:t>.</a:t>
+                </a:r>
+              </a:p>
+              <a:p>
+                <a:pPr marL="0" indent="0">
+                  <a:buNone/>
+                </a:pPr>
+                <a14:m>
+                  <m:oMathPara xmlns:m="http://schemas.openxmlformats.org/officeDocument/2006/math">
+                    <m:oMathParaPr>
+                      <m:jc m:val="centerGroup"/>
+                    </m:oMathParaPr>
+                    <m:oMath xmlns:m="http://schemas.openxmlformats.org/officeDocument/2006/math">
+                      <m:acc>
+                        <m:accPr>
+                          <m:chr m:val="̃"/>
+                          <m:ctrlPr>
+                            <a:rPr lang="en-US" i="1">
+                              <a:latin typeface="Cambria Math" panose="02040503050406030204" pitchFamily="18" charset="0"/>
+                            </a:rPr>
+                          </m:ctrlPr>
+                        </m:accPr>
+                        <m:e>
+                          <m:sSub>
+                            <m:sSubPr>
+                              <m:ctrlPr>
+                                <a:rPr lang="en-US" i="1">
+                                  <a:latin typeface="Cambria Math" panose="02040503050406030204" pitchFamily="18" charset="0"/>
+                                </a:rPr>
+                              </m:ctrlPr>
+                            </m:sSubPr>
+                            <m:e>
+                              <m:r>
+                                <a:rPr lang="en-US" i="1">
+                                  <a:latin typeface="Cambria Math" panose="02040503050406030204" pitchFamily="18" charset="0"/>
+                                </a:rPr>
+                                <m:t>𝑌</m:t>
+                              </m:r>
+                            </m:e>
+                            <m:sub>
+                              <m:r>
+                                <a:rPr lang="en-US" i="1">
+                                  <a:latin typeface="Cambria Math" panose="02040503050406030204" pitchFamily="18" charset="0"/>
+                                </a:rPr>
+                                <m:t>𝑖</m:t>
+                              </m:r>
+                            </m:sub>
+                          </m:sSub>
+                        </m:e>
+                      </m:acc>
+                      <m:r>
+                        <a:rPr lang="en-US" i="1">
+                          <a:latin typeface="Cambria Math" panose="02040503050406030204" pitchFamily="18" charset="0"/>
+                        </a:rPr>
+                        <m:t>=</m:t>
+                      </m:r>
+                      <m:sSub>
+                        <m:sSubPr>
+                          <m:ctrlPr>
+                            <a:rPr lang="en-US" i="1">
+                              <a:latin typeface="Cambria Math" panose="02040503050406030204" pitchFamily="18" charset="0"/>
+                            </a:rPr>
+                          </m:ctrlPr>
+                        </m:sSubPr>
+                        <m:e>
+                          <m:sSub>
+                            <m:sSubPr>
+                              <m:ctrlPr>
+                                <a:rPr lang="en-US" i="1">
+                                  <a:latin typeface="Cambria Math" panose="02040503050406030204" pitchFamily="18" charset="0"/>
+                                </a:rPr>
+                              </m:ctrlPr>
+                            </m:sSubPr>
+                            <m:e>
+                              <m:acc>
+                                <m:accPr>
+                                  <m:chr m:val="̂"/>
+                                  <m:ctrlPr>
+                                    <a:rPr lang="en-US" i="1">
+                                      <a:latin typeface="Cambria Math" panose="02040503050406030204" pitchFamily="18" charset="0"/>
+                                    </a:rPr>
+                                  </m:ctrlPr>
+                                </m:accPr>
+                                <m:e>
+                                  <m:r>
+                                    <a:rPr lang="en-US" i="1">
+                                      <a:latin typeface="Cambria Math" panose="02040503050406030204" pitchFamily="18" charset="0"/>
+                                    </a:rPr>
+                                    <m:t>𝜏</m:t>
+                                  </m:r>
+                                </m:e>
+                              </m:acc>
+                            </m:e>
+                            <m:sub>
+                              <m:r>
+                                <a:rPr lang="en-US" i="1">
+                                  <a:latin typeface="Cambria Math" panose="02040503050406030204" pitchFamily="18" charset="0"/>
+                                </a:rPr>
+                                <m:t>0</m:t>
+                              </m:r>
+                            </m:sub>
+                          </m:sSub>
+                          <m:sSub>
+                            <m:sSubPr>
+                              <m:ctrlPr>
+                                <a:rPr lang="en-US" i="1">
+                                  <a:latin typeface="Cambria Math" panose="02040503050406030204" pitchFamily="18" charset="0"/>
+                                </a:rPr>
+                              </m:ctrlPr>
+                            </m:sSubPr>
+                            <m:e>
+                              <m:acc>
+                                <m:accPr>
+                                  <m:chr m:val="̃"/>
+                                  <m:ctrlPr>
+                                    <a:rPr lang="en-US" i="1">
+                                      <a:latin typeface="Cambria Math" panose="02040503050406030204" pitchFamily="18" charset="0"/>
+                                    </a:rPr>
+                                  </m:ctrlPr>
+                                </m:accPr>
+                                <m:e>
+                                  <m:r>
+                                    <a:rPr lang="en-US" i="1">
+                                      <a:latin typeface="Cambria Math" panose="02040503050406030204" pitchFamily="18" charset="0"/>
+                                    </a:rPr>
+                                    <m:t>𝑇</m:t>
+                                  </m:r>
+                                </m:e>
+                              </m:acc>
+                            </m:e>
+                            <m:sub>
+                              <m:r>
+                                <a:rPr lang="en-US" i="1">
+                                  <a:latin typeface="Cambria Math" panose="02040503050406030204" pitchFamily="18" charset="0"/>
+                                </a:rPr>
+                                <m:t>𝑖</m:t>
+                              </m:r>
+                            </m:sub>
+                          </m:sSub>
+                          <m:r>
+                            <a:rPr lang="en-US" b="0" i="1" smtClean="0">
+                              <a:latin typeface="Cambria Math" panose="02040503050406030204" pitchFamily="18" charset="0"/>
+                            </a:rPr>
+                            <m:t>+</m:t>
+                          </m:r>
+                          <m:acc>
+                            <m:accPr>
+                              <m:chr m:val="̂"/>
+                              <m:ctrlPr>
+                                <a:rPr lang="en-US" i="1">
+                                  <a:latin typeface="Cambria Math" panose="02040503050406030204" pitchFamily="18" charset="0"/>
+                                </a:rPr>
+                              </m:ctrlPr>
+                            </m:accPr>
+                            <m:e>
+                              <m:r>
+                                <a:rPr lang="en-US" i="1">
+                                  <a:latin typeface="Cambria Math" panose="02040503050406030204" pitchFamily="18" charset="0"/>
+                                </a:rPr>
+                                <m:t>𝜏</m:t>
+                              </m:r>
+                            </m:e>
+                          </m:acc>
+                        </m:e>
+                        <m:sub>
+                          <m:r>
+                            <a:rPr lang="en-US" i="1">
+                              <a:latin typeface="Cambria Math" panose="02040503050406030204" pitchFamily="18" charset="0"/>
+                            </a:rPr>
+                            <m:t>1</m:t>
+                          </m:r>
+                        </m:sub>
+                      </m:sSub>
+                      <m:sSub>
+                        <m:sSubPr>
+                          <m:ctrlPr>
+                            <a:rPr lang="en-US" i="1">
+                              <a:latin typeface="Cambria Math" panose="02040503050406030204" pitchFamily="18" charset="0"/>
+                            </a:rPr>
+                          </m:ctrlPr>
+                        </m:sSubPr>
+                        <m:e>
+                          <m:r>
+                            <a:rPr lang="en-US" i="1">
+                              <a:latin typeface="Cambria Math" panose="02040503050406030204" pitchFamily="18" charset="0"/>
+                            </a:rPr>
+                            <m:t>𝑧</m:t>
+                          </m:r>
+                        </m:e>
+                        <m:sub>
+                          <m:r>
+                            <a:rPr lang="en-US" i="1">
+                              <a:latin typeface="Cambria Math" panose="02040503050406030204" pitchFamily="18" charset="0"/>
+                            </a:rPr>
+                            <m:t>1</m:t>
+                          </m:r>
+                          <m:r>
+                            <a:rPr lang="en-US" i="1">
+                              <a:latin typeface="Cambria Math" panose="02040503050406030204" pitchFamily="18" charset="0"/>
+                            </a:rPr>
+                            <m:t>𝑖</m:t>
+                          </m:r>
+                        </m:sub>
+                      </m:sSub>
+                      <m:r>
+                        <a:rPr lang="en-US" i="1">
+                          <a:latin typeface="Cambria Math" panose="02040503050406030204" pitchFamily="18" charset="0"/>
+                        </a:rPr>
+                        <m:t> </m:t>
+                      </m:r>
+                      <m:sSub>
+                        <m:sSubPr>
+                          <m:ctrlPr>
+                            <a:rPr lang="en-US" i="1">
+                              <a:latin typeface="Cambria Math" panose="02040503050406030204" pitchFamily="18" charset="0"/>
+                            </a:rPr>
+                          </m:ctrlPr>
+                        </m:sSubPr>
+                        <m:e>
+                          <m:acc>
+                            <m:accPr>
+                              <m:chr m:val="̃"/>
+                              <m:ctrlPr>
+                                <a:rPr lang="en-US" i="1">
+                                  <a:latin typeface="Cambria Math" panose="02040503050406030204" pitchFamily="18" charset="0"/>
+                                </a:rPr>
+                              </m:ctrlPr>
+                            </m:accPr>
+                            <m:e>
+                              <m:r>
+                                <a:rPr lang="en-US" i="1">
+                                  <a:latin typeface="Cambria Math" panose="02040503050406030204" pitchFamily="18" charset="0"/>
+                                </a:rPr>
+                                <m:t>𝑇</m:t>
+                              </m:r>
+                            </m:e>
+                          </m:acc>
+                        </m:e>
+                        <m:sub>
+                          <m:r>
+                            <a:rPr lang="en-US" i="1">
+                              <a:latin typeface="Cambria Math" panose="02040503050406030204" pitchFamily="18" charset="0"/>
+                            </a:rPr>
+                            <m:t>𝑖</m:t>
+                          </m:r>
+                        </m:sub>
+                      </m:sSub>
+                      <m:r>
+                        <a:rPr lang="en-US" i="1">
+                          <a:latin typeface="Cambria Math" panose="02040503050406030204" pitchFamily="18" charset="0"/>
+                        </a:rPr>
+                        <m:t>+</m:t>
+                      </m:r>
+                      <m:sSub>
+                        <m:sSubPr>
+                          <m:ctrlPr>
+                            <a:rPr lang="en-US" i="1">
+                              <a:latin typeface="Cambria Math" panose="02040503050406030204" pitchFamily="18" charset="0"/>
+                            </a:rPr>
+                          </m:ctrlPr>
+                        </m:sSubPr>
+                        <m:e>
+                          <m:acc>
+                            <m:accPr>
+                              <m:chr m:val="̂"/>
+                              <m:ctrlPr>
+                                <a:rPr lang="en-US" i="1">
+                                  <a:latin typeface="Cambria Math" panose="02040503050406030204" pitchFamily="18" charset="0"/>
+                                </a:rPr>
+                              </m:ctrlPr>
+                            </m:accPr>
+                            <m:e>
+                              <m:r>
+                                <a:rPr lang="en-US" i="1">
+                                  <a:latin typeface="Cambria Math" panose="02040503050406030204" pitchFamily="18" charset="0"/>
+                                </a:rPr>
+                                <m:t>𝜏</m:t>
+                              </m:r>
+                            </m:e>
+                          </m:acc>
+                        </m:e>
+                        <m:sub>
+                          <m:r>
+                            <a:rPr lang="en-US" i="1">
+                              <a:latin typeface="Cambria Math" panose="02040503050406030204" pitchFamily="18" charset="0"/>
+                            </a:rPr>
+                            <m:t>2</m:t>
+                          </m:r>
+                        </m:sub>
+                      </m:sSub>
+                      <m:sSubSup>
+                        <m:sSubSupPr>
+                          <m:ctrlPr>
+                            <a:rPr lang="en-US" i="1">
+                              <a:latin typeface="Cambria Math" panose="02040503050406030204" pitchFamily="18" charset="0"/>
+                            </a:rPr>
+                          </m:ctrlPr>
+                        </m:sSubSupPr>
+                        <m:e>
+                          <m:r>
+                            <a:rPr lang="en-US" i="1">
+                              <a:latin typeface="Cambria Math" panose="02040503050406030204" pitchFamily="18" charset="0"/>
+                            </a:rPr>
+                            <m:t>𝑧</m:t>
+                          </m:r>
+                        </m:e>
+                        <m:sub>
+                          <m:r>
+                            <a:rPr lang="en-US" i="1">
+                              <a:latin typeface="Cambria Math" panose="02040503050406030204" pitchFamily="18" charset="0"/>
+                            </a:rPr>
+                            <m:t>1</m:t>
+                          </m:r>
+                          <m:r>
+                            <a:rPr lang="en-US" i="1">
+                              <a:latin typeface="Cambria Math" panose="02040503050406030204" pitchFamily="18" charset="0"/>
+                            </a:rPr>
+                            <m:t>𝑖</m:t>
+                          </m:r>
+                        </m:sub>
+                        <m:sup>
+                          <m:r>
+                            <a:rPr lang="en-US" i="1">
+                              <a:latin typeface="Cambria Math" panose="02040503050406030204" pitchFamily="18" charset="0"/>
+                            </a:rPr>
+                            <m:t>2</m:t>
+                          </m:r>
+                        </m:sup>
+                      </m:sSubSup>
+                      <m:sSub>
+                        <m:sSubPr>
+                          <m:ctrlPr>
+                            <a:rPr lang="en-US" i="1">
+                              <a:latin typeface="Cambria Math" panose="02040503050406030204" pitchFamily="18" charset="0"/>
+                            </a:rPr>
+                          </m:ctrlPr>
+                        </m:sSubPr>
+                        <m:e>
+                          <m:acc>
+                            <m:accPr>
+                              <m:chr m:val="̃"/>
+                              <m:ctrlPr>
+                                <a:rPr lang="en-US" i="1">
+                                  <a:latin typeface="Cambria Math" panose="02040503050406030204" pitchFamily="18" charset="0"/>
+                                </a:rPr>
+                              </m:ctrlPr>
+                            </m:accPr>
+                            <m:e>
+                              <m:r>
+                                <a:rPr lang="en-US" i="1">
+                                  <a:latin typeface="Cambria Math" panose="02040503050406030204" pitchFamily="18" charset="0"/>
+                                </a:rPr>
+                                <m:t>𝑇</m:t>
+                              </m:r>
+                            </m:e>
+                          </m:acc>
+                        </m:e>
+                        <m:sub>
+                          <m:r>
+                            <a:rPr lang="en-US" i="1">
+                              <a:latin typeface="Cambria Math" panose="02040503050406030204" pitchFamily="18" charset="0"/>
+                            </a:rPr>
+                            <m:t>𝑖</m:t>
+                          </m:r>
+                        </m:sub>
+                      </m:sSub>
+                      <m:r>
+                        <a:rPr lang="en-US" i="1">
+                          <a:latin typeface="Cambria Math" panose="02040503050406030204" pitchFamily="18" charset="0"/>
+                        </a:rPr>
+                        <m:t>+</m:t>
+                      </m:r>
+                      <m:sSub>
+                        <m:sSubPr>
+                          <m:ctrlPr>
+                            <a:rPr lang="en-US" i="1">
+                              <a:latin typeface="Cambria Math" panose="02040503050406030204" pitchFamily="18" charset="0"/>
+                            </a:rPr>
+                          </m:ctrlPr>
+                        </m:sSubPr>
+                        <m:e>
+                          <m:r>
+                            <a:rPr lang="en-US" i="1">
+                              <a:latin typeface="Cambria Math" panose="02040503050406030204" pitchFamily="18" charset="0"/>
+                            </a:rPr>
+                            <m:t>𝜂</m:t>
+                          </m:r>
+                        </m:e>
+                        <m:sub>
+                          <m:r>
+                            <a:rPr lang="en-US" i="1">
+                              <a:latin typeface="Cambria Math" panose="02040503050406030204" pitchFamily="18" charset="0"/>
+                            </a:rPr>
+                            <m:t>𝑖</m:t>
+                          </m:r>
+                        </m:sub>
+                      </m:sSub>
+                    </m:oMath>
+                  </m:oMathPara>
+                </a14:m>
+                <a:endParaRPr lang="en-US" dirty="0"/>
+              </a:p>
+              <a:p>
+                <a:r>
+                  <a:rPr lang="en-US" dirty="0"/>
+                  <a:t>From SGCT, the estimating equation uses the </a:t>
+                </a:r>
+                <a:r>
+                  <a:rPr lang="en-US" dirty="0" err="1"/>
+                  <a:t>residualized</a:t>
+                </a:r>
+                <a:r>
+                  <a:rPr lang="en-US" dirty="0"/>
+                  <a:t> outcome (</a:t>
+                </a:r>
+                <a14:m>
+                  <m:oMath xmlns:m="http://schemas.openxmlformats.org/officeDocument/2006/math">
+                    <m:acc>
+                      <m:accPr>
+                        <m:chr m:val="̃"/>
+                        <m:ctrlPr>
+                          <a:rPr lang="en-US" i="1">
+                            <a:latin typeface="Cambria Math" panose="02040503050406030204" pitchFamily="18" charset="0"/>
+                          </a:rPr>
+                        </m:ctrlPr>
+                      </m:accPr>
+                      <m:e>
+                        <m:sSub>
+                          <m:sSubPr>
+                            <m:ctrlPr>
+                              <a:rPr lang="en-US" i="1">
+                                <a:latin typeface="Cambria Math" panose="02040503050406030204" pitchFamily="18" charset="0"/>
+                              </a:rPr>
+                            </m:ctrlPr>
+                          </m:sSubPr>
+                          <m:e>
+                            <m:r>
+                              <a:rPr lang="en-US" i="1">
+                                <a:latin typeface="Cambria Math" panose="02040503050406030204" pitchFamily="18" charset="0"/>
+                              </a:rPr>
+                              <m:t>𝑌</m:t>
+                            </m:r>
+                          </m:e>
+                          <m:sub>
+                            <m:r>
+                              <a:rPr lang="en-US" i="1">
+                                <a:latin typeface="Cambria Math" panose="02040503050406030204" pitchFamily="18" charset="0"/>
+                              </a:rPr>
+                              <m:t>𝑖</m:t>
+                            </m:r>
+                          </m:sub>
+                        </m:sSub>
+                      </m:e>
+                    </m:acc>
+                  </m:oMath>
+                </a14:m>
+                <a:r>
+                  <a:rPr lang="en-US" dirty="0"/>
+                  <a:t>) and treatment (</a:t>
+                </a:r>
+                <a14:m>
+                  <m:oMath xmlns:m="http://schemas.openxmlformats.org/officeDocument/2006/math">
+                    <m:acc>
+                      <m:accPr>
+                        <m:chr m:val="̃"/>
+                        <m:ctrlPr>
+                          <a:rPr lang="en-US" i="1">
+                            <a:latin typeface="Cambria Math" panose="02040503050406030204" pitchFamily="18" charset="0"/>
+                          </a:rPr>
+                        </m:ctrlPr>
+                      </m:accPr>
+                      <m:e>
+                        <m:sSub>
+                          <m:sSubPr>
+                            <m:ctrlPr>
+                              <a:rPr lang="en-US" i="1">
+                                <a:latin typeface="Cambria Math" panose="02040503050406030204" pitchFamily="18" charset="0"/>
+                              </a:rPr>
+                            </m:ctrlPr>
+                          </m:sSubPr>
+                          <m:e>
+                            <m:r>
+                              <a:rPr lang="en-US" b="0" i="1" smtClean="0">
+                                <a:latin typeface="Cambria Math" panose="02040503050406030204" pitchFamily="18" charset="0"/>
+                              </a:rPr>
+                              <m:t>𝑇</m:t>
+                            </m:r>
+                          </m:e>
+                          <m:sub>
+                            <m:r>
+                              <a:rPr lang="en-US" i="1">
+                                <a:latin typeface="Cambria Math" panose="02040503050406030204" pitchFamily="18" charset="0"/>
+                              </a:rPr>
+                              <m:t>𝑖</m:t>
+                            </m:r>
+                          </m:sub>
+                        </m:sSub>
+                      </m:e>
+                    </m:acc>
+                  </m:oMath>
+                </a14:m>
+                <a:r>
+                  <a:rPr lang="en-US" dirty="0"/>
+                  <a:t>).</a:t>
+                </a:r>
+              </a:p>
+              <a:p>
+                <a:r>
+                  <a:rPr lang="en-US" dirty="0"/>
+                  <a:t>By Frisch-Waugh-Lovell:</a:t>
+                </a:r>
+              </a:p>
+              <a:p>
+                <a:pPr marL="0" indent="0">
+                  <a:buNone/>
+                </a:pPr>
+                <a14:m>
+                  <m:oMathPara xmlns:m="http://schemas.openxmlformats.org/officeDocument/2006/math">
+                    <m:oMathParaPr>
+                      <m:jc m:val="centerGroup"/>
+                    </m:oMathParaPr>
+                    <m:oMath xmlns:m="http://schemas.openxmlformats.org/officeDocument/2006/math">
+                      <m:sSub>
+                        <m:sSubPr>
+                          <m:ctrlPr>
+                            <a:rPr lang="en-US" i="1">
+                              <a:latin typeface="Cambria Math" panose="02040503050406030204" pitchFamily="18" charset="0"/>
+                            </a:rPr>
+                          </m:ctrlPr>
+                        </m:sSubPr>
+                        <m:e>
+                          <m:acc>
+                            <m:accPr>
+                              <m:chr m:val="̂"/>
+                              <m:ctrlPr>
+                                <a:rPr lang="en-US" i="1">
+                                  <a:latin typeface="Cambria Math" panose="02040503050406030204" pitchFamily="18" charset="0"/>
+                                </a:rPr>
+                              </m:ctrlPr>
+                            </m:accPr>
+                            <m:e>
+                              <m:r>
+                                <a:rPr lang="en-US" i="1">
+                                  <a:latin typeface="Cambria Math" panose="02040503050406030204" pitchFamily="18" charset="0"/>
+                                </a:rPr>
+                                <m:t>𝜏</m:t>
+                              </m:r>
+                            </m:e>
+                          </m:acc>
+                        </m:e>
+                        <m:sub>
+                          <m:r>
+                            <a:rPr lang="en-US" i="1">
+                              <a:latin typeface="Cambria Math" panose="02040503050406030204" pitchFamily="18" charset="0"/>
+                            </a:rPr>
+                            <m:t>1</m:t>
+                          </m:r>
+                        </m:sub>
+                      </m:sSub>
+                      <m:r>
+                        <a:rPr lang="en-US" b="0" i="1" smtClean="0">
+                          <a:latin typeface="Cambria Math" panose="02040503050406030204" pitchFamily="18" charset="0"/>
+                        </a:rPr>
+                        <m:t>=</m:t>
+                      </m:r>
+                      <m:f>
+                        <m:fPr>
+                          <m:ctrlPr>
+                            <a:rPr lang="en-US" b="0" i="1" smtClean="0">
+                              <a:latin typeface="Cambria Math" panose="02040503050406030204" pitchFamily="18" charset="0"/>
+                            </a:rPr>
+                          </m:ctrlPr>
+                        </m:fPr>
+                        <m:num>
+                          <m:r>
+                            <a:rPr lang="en-US" b="0" i="1" smtClean="0">
+                              <a:latin typeface="Cambria Math" panose="02040503050406030204" pitchFamily="18" charset="0"/>
+                            </a:rPr>
+                            <m:t>𝑐𝑜𝑣</m:t>
+                          </m:r>
+                          <m:r>
+                            <a:rPr lang="en-US" b="0" i="1" smtClean="0">
+                              <a:latin typeface="Cambria Math" panose="02040503050406030204" pitchFamily="18" charset="0"/>
+                            </a:rPr>
+                            <m:t>( </m:t>
+                          </m:r>
+                          <m:sSub>
+                            <m:sSubPr>
+                              <m:ctrlPr>
+                                <a:rPr lang="en-US" b="0" i="1" smtClean="0">
+                                  <a:latin typeface="Cambria Math" panose="02040503050406030204" pitchFamily="18" charset="0"/>
+                                </a:rPr>
+                              </m:ctrlPr>
+                            </m:sSubPr>
+                            <m:e>
+                              <m:acc>
+                                <m:accPr>
+                                  <m:chr m:val="̃"/>
+                                  <m:ctrlPr>
+                                    <a:rPr lang="en-US" b="0" i="1" smtClean="0">
+                                      <a:latin typeface="Cambria Math" panose="02040503050406030204" pitchFamily="18" charset="0"/>
+                                    </a:rPr>
+                                  </m:ctrlPr>
+                                </m:accPr>
+                                <m:e>
+                                  <m:r>
+                                    <a:rPr lang="en-US" b="0" i="1" smtClean="0">
+                                      <a:latin typeface="Cambria Math" panose="02040503050406030204" pitchFamily="18" charset="0"/>
+                                    </a:rPr>
+                                    <m:t>𝑌</m:t>
+                                  </m:r>
+                                </m:e>
+                              </m:acc>
+                            </m:e>
+                            <m:sub>
+                              <m:r>
+                                <a:rPr lang="en-US" b="0" i="1" smtClean="0">
+                                  <a:latin typeface="Cambria Math" panose="02040503050406030204" pitchFamily="18" charset="0"/>
+                                </a:rPr>
+                                <m:t>𝑖</m:t>
+                              </m:r>
+                            </m:sub>
+                          </m:sSub>
+                          <m:r>
+                            <a:rPr lang="en-US" b="0" i="1" smtClean="0">
+                              <a:latin typeface="Cambria Math" panose="02040503050406030204" pitchFamily="18" charset="0"/>
+                            </a:rPr>
+                            <m:t>,</m:t>
+                          </m:r>
+                          <m:sSub>
+                            <m:sSubPr>
+                              <m:ctrlPr>
+                                <a:rPr lang="en-US" i="1">
+                                  <a:latin typeface="Cambria Math" panose="02040503050406030204" pitchFamily="18" charset="0"/>
+                                </a:rPr>
+                              </m:ctrlPr>
+                            </m:sSubPr>
+                            <m:e>
+                              <m:r>
+                                <a:rPr lang="en-US" i="1">
+                                  <a:latin typeface="Cambria Math" panose="02040503050406030204" pitchFamily="18" charset="0"/>
+                                </a:rPr>
+                                <m:t>𝑧</m:t>
+                              </m:r>
+                            </m:e>
+                            <m:sub>
+                              <m:r>
+                                <a:rPr lang="en-US" i="1">
+                                  <a:latin typeface="Cambria Math" panose="02040503050406030204" pitchFamily="18" charset="0"/>
+                                </a:rPr>
+                                <m:t>1</m:t>
+                              </m:r>
+                              <m:r>
+                                <a:rPr lang="en-US" i="1">
+                                  <a:latin typeface="Cambria Math" panose="02040503050406030204" pitchFamily="18" charset="0"/>
+                                </a:rPr>
+                                <m:t>𝑖</m:t>
+                              </m:r>
+                            </m:sub>
+                          </m:sSub>
+                          <m:r>
+                            <a:rPr lang="en-US" i="1">
+                              <a:latin typeface="Cambria Math" panose="02040503050406030204" pitchFamily="18" charset="0"/>
+                            </a:rPr>
+                            <m:t> </m:t>
+                          </m:r>
+                          <m:sSub>
+                            <m:sSubPr>
+                              <m:ctrlPr>
+                                <a:rPr lang="en-US" i="1">
+                                  <a:latin typeface="Cambria Math" panose="02040503050406030204" pitchFamily="18" charset="0"/>
+                                </a:rPr>
+                              </m:ctrlPr>
+                            </m:sSubPr>
+                            <m:e>
+                              <m:acc>
+                                <m:accPr>
+                                  <m:chr m:val="̃"/>
+                                  <m:ctrlPr>
+                                    <a:rPr lang="en-US" i="1">
+                                      <a:latin typeface="Cambria Math" panose="02040503050406030204" pitchFamily="18" charset="0"/>
+                                    </a:rPr>
+                                  </m:ctrlPr>
+                                </m:accPr>
+                                <m:e>
+                                  <m:r>
+                                    <a:rPr lang="en-US" i="1">
+                                      <a:latin typeface="Cambria Math" panose="02040503050406030204" pitchFamily="18" charset="0"/>
+                                    </a:rPr>
+                                    <m:t>𝑇</m:t>
+                                  </m:r>
+                                </m:e>
+                              </m:acc>
+                            </m:e>
+                            <m:sub>
+                              <m:r>
+                                <a:rPr lang="en-US" i="1">
+                                  <a:latin typeface="Cambria Math" panose="02040503050406030204" pitchFamily="18" charset="0"/>
+                                </a:rPr>
+                                <m:t>𝑖</m:t>
+                              </m:r>
+                            </m:sub>
+                          </m:sSub>
+                          <m:r>
+                            <a:rPr lang="en-US" b="0" i="1" smtClean="0">
+                              <a:latin typeface="Cambria Math" panose="02040503050406030204" pitchFamily="18" charset="0"/>
+                            </a:rPr>
+                            <m:t>−</m:t>
+                          </m:r>
+                          <m:r>
+                            <a:rPr lang="en-US" b="0" i="1" smtClean="0">
+                              <a:latin typeface="Cambria Math" panose="02040503050406030204" pitchFamily="18" charset="0"/>
+                            </a:rPr>
+                            <m:t>𝐸</m:t>
+                          </m:r>
+                          <m:d>
+                            <m:dPr>
+                              <m:begChr m:val="["/>
+                              <m:endChr m:val="|"/>
+                              <m:ctrlPr>
+                                <a:rPr lang="en-US" b="0" i="1" smtClean="0">
+                                  <a:latin typeface="Cambria Math" panose="02040503050406030204" pitchFamily="18" charset="0"/>
+                                </a:rPr>
+                              </m:ctrlPr>
+                            </m:dPr>
+                            <m:e>
+                              <m:sSub>
+                                <m:sSubPr>
+                                  <m:ctrlPr>
+                                    <a:rPr lang="en-US" b="0" i="1" smtClean="0">
+                                      <a:latin typeface="Cambria Math" panose="02040503050406030204" pitchFamily="18" charset="0"/>
+                                    </a:rPr>
+                                  </m:ctrlPr>
+                                </m:sSubPr>
+                                <m:e>
+                                  <m:r>
+                                    <a:rPr lang="en-US" b="0" i="1" smtClean="0">
+                                      <a:latin typeface="Cambria Math" panose="02040503050406030204" pitchFamily="18" charset="0"/>
+                                    </a:rPr>
+                                    <m:t>𝑧</m:t>
+                                  </m:r>
+                                </m:e>
+                                <m:sub>
+                                  <m:r>
+                                    <a:rPr lang="en-US" b="0" i="1" smtClean="0">
+                                      <a:latin typeface="Cambria Math" panose="02040503050406030204" pitchFamily="18" charset="0"/>
+                                    </a:rPr>
+                                    <m:t>1</m:t>
+                                  </m:r>
+                                  <m:r>
+                                    <a:rPr lang="en-US" b="0" i="1" smtClean="0">
+                                      <a:latin typeface="Cambria Math" panose="02040503050406030204" pitchFamily="18" charset="0"/>
+                                    </a:rPr>
+                                    <m:t>𝑖</m:t>
+                                  </m:r>
+                                </m:sub>
+                              </m:sSub>
+                              <m:r>
+                                <a:rPr lang="en-US" b="0" i="1" smtClean="0">
+                                  <a:latin typeface="Cambria Math" panose="02040503050406030204" pitchFamily="18" charset="0"/>
+                                </a:rPr>
+                                <m:t> </m:t>
+                              </m:r>
+                              <m:sSub>
+                                <m:sSubPr>
+                                  <m:ctrlPr>
+                                    <a:rPr lang="en-US" b="0" i="1" smtClean="0">
+                                      <a:latin typeface="Cambria Math" panose="02040503050406030204" pitchFamily="18" charset="0"/>
+                                    </a:rPr>
+                                  </m:ctrlPr>
+                                </m:sSubPr>
+                                <m:e>
+                                  <m:acc>
+                                    <m:accPr>
+                                      <m:chr m:val="̃"/>
+                                      <m:ctrlPr>
+                                        <a:rPr lang="en-US" b="0" i="1" smtClean="0">
+                                          <a:latin typeface="Cambria Math" panose="02040503050406030204" pitchFamily="18" charset="0"/>
+                                        </a:rPr>
+                                      </m:ctrlPr>
+                                    </m:accPr>
+                                    <m:e>
+                                      <m:r>
+                                        <a:rPr lang="en-US" b="0" i="1" smtClean="0">
+                                          <a:latin typeface="Cambria Math" panose="02040503050406030204" pitchFamily="18" charset="0"/>
+                                        </a:rPr>
+                                        <m:t>𝑇</m:t>
+                                      </m:r>
+                                    </m:e>
+                                  </m:acc>
+                                </m:e>
+                                <m:sub>
+                                  <m:r>
+                                    <a:rPr lang="en-US" b="0" i="1" smtClean="0">
+                                      <a:latin typeface="Cambria Math" panose="02040503050406030204" pitchFamily="18" charset="0"/>
+                                    </a:rPr>
+                                    <m:t>𝑖</m:t>
+                                  </m:r>
+                                </m:sub>
+                              </m:sSub>
+                              <m:r>
+                                <a:rPr lang="en-US" b="0" i="1" smtClean="0">
+                                  <a:latin typeface="Cambria Math" panose="02040503050406030204" pitchFamily="18" charset="0"/>
+                                </a:rPr>
+                                <m:t> </m:t>
+                              </m:r>
+                            </m:e>
+                          </m:d>
+                          <m:sSubSup>
+                            <m:sSubSupPr>
+                              <m:ctrlPr>
+                                <a:rPr lang="en-US" b="0" i="1" smtClean="0">
+                                  <a:latin typeface="Cambria Math" panose="02040503050406030204" pitchFamily="18" charset="0"/>
+                                </a:rPr>
+                              </m:ctrlPr>
+                            </m:sSubSupPr>
+                            <m:e>
+                              <m:r>
+                                <a:rPr lang="en-US" b="0" i="1" smtClean="0">
+                                  <a:latin typeface="Cambria Math" panose="02040503050406030204" pitchFamily="18" charset="0"/>
+                                </a:rPr>
+                                <m:t>𝑧</m:t>
+                              </m:r>
+                            </m:e>
+                            <m:sub>
+                              <m:r>
+                                <a:rPr lang="en-US" b="0" i="1" smtClean="0">
+                                  <a:latin typeface="Cambria Math" panose="02040503050406030204" pitchFamily="18" charset="0"/>
+                                </a:rPr>
+                                <m:t>1</m:t>
+                              </m:r>
+                              <m:r>
+                                <a:rPr lang="en-US" b="0" i="1" smtClean="0">
+                                  <a:latin typeface="Cambria Math" panose="02040503050406030204" pitchFamily="18" charset="0"/>
+                                </a:rPr>
+                                <m:t>𝑖</m:t>
+                              </m:r>
+                            </m:sub>
+                            <m:sup>
+                              <m:r>
+                                <a:rPr lang="en-US" b="0" i="1" smtClean="0">
+                                  <a:latin typeface="Cambria Math" panose="02040503050406030204" pitchFamily="18" charset="0"/>
+                                </a:rPr>
+                                <m:t>2</m:t>
+                              </m:r>
+                            </m:sup>
+                          </m:sSubSup>
+                          <m:sSub>
+                            <m:sSubPr>
+                              <m:ctrlPr>
+                                <a:rPr lang="en-US" i="1">
+                                  <a:latin typeface="Cambria Math" panose="02040503050406030204" pitchFamily="18" charset="0"/>
+                                </a:rPr>
+                              </m:ctrlPr>
+                            </m:sSubPr>
+                            <m:e>
+                              <m:acc>
+                                <m:accPr>
+                                  <m:chr m:val="̃"/>
+                                  <m:ctrlPr>
+                                    <a:rPr lang="en-US" i="1">
+                                      <a:latin typeface="Cambria Math" panose="02040503050406030204" pitchFamily="18" charset="0"/>
+                                    </a:rPr>
+                                  </m:ctrlPr>
+                                </m:accPr>
+                                <m:e>
+                                  <m:r>
+                                    <a:rPr lang="en-US" i="1">
+                                      <a:latin typeface="Cambria Math" panose="02040503050406030204" pitchFamily="18" charset="0"/>
+                                    </a:rPr>
+                                    <m:t>𝑇</m:t>
+                                  </m:r>
+                                </m:e>
+                              </m:acc>
+                            </m:e>
+                            <m:sub>
+                              <m:r>
+                                <a:rPr lang="en-US" i="1">
+                                  <a:latin typeface="Cambria Math" panose="02040503050406030204" pitchFamily="18" charset="0"/>
+                                </a:rPr>
+                                <m:t>𝑖</m:t>
+                              </m:r>
+                            </m:sub>
+                          </m:sSub>
+                          <m:r>
+                            <a:rPr lang="en-US" b="0" i="1" smtClean="0">
+                              <a:latin typeface="Cambria Math" panose="02040503050406030204" pitchFamily="18" charset="0"/>
+                            </a:rPr>
+                            <m:t>])</m:t>
+                          </m:r>
+                        </m:num>
+                        <m:den>
+                          <m:r>
+                            <a:rPr lang="en-US" b="0" i="1" smtClean="0">
+                              <a:latin typeface="Cambria Math" panose="02040503050406030204" pitchFamily="18" charset="0"/>
+                            </a:rPr>
+                            <m:t>𝑣𝑎𝑟</m:t>
+                          </m:r>
+                          <m:r>
+                            <a:rPr lang="en-US" b="0" i="1" smtClean="0">
+                              <a:latin typeface="Cambria Math" panose="02040503050406030204" pitchFamily="18" charset="0"/>
+                            </a:rPr>
+                            <m:t>(</m:t>
+                          </m:r>
+                          <m:sSub>
+                            <m:sSubPr>
+                              <m:ctrlPr>
+                                <a:rPr lang="en-US" i="1">
+                                  <a:latin typeface="Cambria Math" panose="02040503050406030204" pitchFamily="18" charset="0"/>
+                                </a:rPr>
+                              </m:ctrlPr>
+                            </m:sSubPr>
+                            <m:e>
+                              <m:r>
+                                <a:rPr lang="en-US" i="1">
+                                  <a:latin typeface="Cambria Math" panose="02040503050406030204" pitchFamily="18" charset="0"/>
+                                </a:rPr>
+                                <m:t>𝑧</m:t>
+                              </m:r>
+                            </m:e>
+                            <m:sub>
+                              <m:r>
+                                <a:rPr lang="en-US" i="1">
+                                  <a:latin typeface="Cambria Math" panose="02040503050406030204" pitchFamily="18" charset="0"/>
+                                </a:rPr>
+                                <m:t>1</m:t>
+                              </m:r>
+                              <m:r>
+                                <a:rPr lang="en-US" i="1">
+                                  <a:latin typeface="Cambria Math" panose="02040503050406030204" pitchFamily="18" charset="0"/>
+                                </a:rPr>
+                                <m:t>𝑖</m:t>
+                              </m:r>
+                            </m:sub>
+                          </m:sSub>
+                          <m:r>
+                            <a:rPr lang="en-US" i="1">
+                              <a:latin typeface="Cambria Math" panose="02040503050406030204" pitchFamily="18" charset="0"/>
+                            </a:rPr>
+                            <m:t> </m:t>
+                          </m:r>
+                          <m:sSub>
+                            <m:sSubPr>
+                              <m:ctrlPr>
+                                <a:rPr lang="en-US" i="1">
+                                  <a:latin typeface="Cambria Math" panose="02040503050406030204" pitchFamily="18" charset="0"/>
+                                </a:rPr>
+                              </m:ctrlPr>
+                            </m:sSubPr>
+                            <m:e>
+                              <m:acc>
+                                <m:accPr>
+                                  <m:chr m:val="̃"/>
+                                  <m:ctrlPr>
+                                    <a:rPr lang="en-US" i="1">
+                                      <a:latin typeface="Cambria Math" panose="02040503050406030204" pitchFamily="18" charset="0"/>
+                                    </a:rPr>
+                                  </m:ctrlPr>
+                                </m:accPr>
+                                <m:e>
+                                  <m:r>
+                                    <a:rPr lang="en-US" i="1">
+                                      <a:latin typeface="Cambria Math" panose="02040503050406030204" pitchFamily="18" charset="0"/>
+                                    </a:rPr>
+                                    <m:t>𝑇</m:t>
+                                  </m:r>
+                                </m:e>
+                              </m:acc>
+                            </m:e>
+                            <m:sub>
+                              <m:r>
+                                <a:rPr lang="en-US" i="1">
+                                  <a:latin typeface="Cambria Math" panose="02040503050406030204" pitchFamily="18" charset="0"/>
+                                </a:rPr>
+                                <m:t>𝑖</m:t>
+                              </m:r>
+                            </m:sub>
+                          </m:sSub>
+                          <m:r>
+                            <a:rPr lang="en-US" b="0" i="1" smtClean="0">
+                              <a:latin typeface="Cambria Math" panose="02040503050406030204" pitchFamily="18" charset="0"/>
+                            </a:rPr>
+                            <m:t>−</m:t>
+                          </m:r>
+                          <m:r>
+                            <a:rPr lang="en-US" i="1">
+                              <a:latin typeface="Cambria Math" panose="02040503050406030204" pitchFamily="18" charset="0"/>
+                            </a:rPr>
+                            <m:t>𝐸</m:t>
+                          </m:r>
+                          <m:d>
+                            <m:dPr>
+                              <m:begChr m:val="["/>
+                              <m:endChr m:val="|"/>
+                              <m:ctrlPr>
+                                <a:rPr lang="en-US" i="1">
+                                  <a:latin typeface="Cambria Math" panose="02040503050406030204" pitchFamily="18" charset="0"/>
+                                </a:rPr>
+                              </m:ctrlPr>
+                            </m:dPr>
+                            <m:e>
+                              <m:sSub>
+                                <m:sSubPr>
+                                  <m:ctrlPr>
+                                    <a:rPr lang="en-US" i="1">
+                                      <a:latin typeface="Cambria Math" panose="02040503050406030204" pitchFamily="18" charset="0"/>
+                                    </a:rPr>
+                                  </m:ctrlPr>
+                                </m:sSubPr>
+                                <m:e>
+                                  <m:r>
+                                    <a:rPr lang="en-US" i="1">
+                                      <a:latin typeface="Cambria Math" panose="02040503050406030204" pitchFamily="18" charset="0"/>
+                                    </a:rPr>
+                                    <m:t>𝑧</m:t>
+                                  </m:r>
+                                </m:e>
+                                <m:sub>
+                                  <m:r>
+                                    <a:rPr lang="en-US" i="1">
+                                      <a:latin typeface="Cambria Math" panose="02040503050406030204" pitchFamily="18" charset="0"/>
+                                    </a:rPr>
+                                    <m:t>1</m:t>
+                                  </m:r>
+                                  <m:r>
+                                    <a:rPr lang="en-US" i="1">
+                                      <a:latin typeface="Cambria Math" panose="02040503050406030204" pitchFamily="18" charset="0"/>
+                                    </a:rPr>
+                                    <m:t>𝑖</m:t>
+                                  </m:r>
+                                </m:sub>
+                              </m:sSub>
+                              <m:r>
+                                <a:rPr lang="en-US" i="1">
+                                  <a:latin typeface="Cambria Math" panose="02040503050406030204" pitchFamily="18" charset="0"/>
+                                </a:rPr>
+                                <m:t> </m:t>
+                              </m:r>
+                              <m:sSub>
+                                <m:sSubPr>
+                                  <m:ctrlPr>
+                                    <a:rPr lang="en-US" i="1">
+                                      <a:latin typeface="Cambria Math" panose="02040503050406030204" pitchFamily="18" charset="0"/>
+                                    </a:rPr>
+                                  </m:ctrlPr>
+                                </m:sSubPr>
+                                <m:e>
+                                  <m:acc>
+                                    <m:accPr>
+                                      <m:chr m:val="̃"/>
+                                      <m:ctrlPr>
+                                        <a:rPr lang="en-US" i="1">
+                                          <a:latin typeface="Cambria Math" panose="02040503050406030204" pitchFamily="18" charset="0"/>
+                                        </a:rPr>
+                                      </m:ctrlPr>
+                                    </m:accPr>
+                                    <m:e>
+                                      <m:r>
+                                        <a:rPr lang="en-US" i="1">
+                                          <a:latin typeface="Cambria Math" panose="02040503050406030204" pitchFamily="18" charset="0"/>
+                                        </a:rPr>
+                                        <m:t>𝑇</m:t>
+                                      </m:r>
+                                    </m:e>
+                                  </m:acc>
+                                </m:e>
+                                <m:sub>
+                                  <m:r>
+                                    <a:rPr lang="en-US" i="1">
+                                      <a:latin typeface="Cambria Math" panose="02040503050406030204" pitchFamily="18" charset="0"/>
+                                    </a:rPr>
+                                    <m:t>𝑖</m:t>
+                                  </m:r>
+                                </m:sub>
+                              </m:sSub>
+                              <m:r>
+                                <a:rPr lang="en-US" i="1">
+                                  <a:latin typeface="Cambria Math" panose="02040503050406030204" pitchFamily="18" charset="0"/>
+                                </a:rPr>
+                                <m:t> </m:t>
+                              </m:r>
+                            </m:e>
+                          </m:d>
+                          <m:sSubSup>
+                            <m:sSubSupPr>
+                              <m:ctrlPr>
+                                <a:rPr lang="en-US" i="1">
+                                  <a:latin typeface="Cambria Math" panose="02040503050406030204" pitchFamily="18" charset="0"/>
+                                </a:rPr>
+                              </m:ctrlPr>
+                            </m:sSubSupPr>
+                            <m:e>
+                              <m:r>
+                                <a:rPr lang="en-US" i="1">
+                                  <a:latin typeface="Cambria Math" panose="02040503050406030204" pitchFamily="18" charset="0"/>
+                                </a:rPr>
+                                <m:t>𝑧</m:t>
+                              </m:r>
+                            </m:e>
+                            <m:sub>
+                              <m:r>
+                                <a:rPr lang="en-US" i="1">
+                                  <a:latin typeface="Cambria Math" panose="02040503050406030204" pitchFamily="18" charset="0"/>
+                                </a:rPr>
+                                <m:t>1</m:t>
+                              </m:r>
+                              <m:r>
+                                <a:rPr lang="en-US" i="1">
+                                  <a:latin typeface="Cambria Math" panose="02040503050406030204" pitchFamily="18" charset="0"/>
+                                </a:rPr>
+                                <m:t>𝑖</m:t>
+                              </m:r>
+                            </m:sub>
+                            <m:sup>
+                              <m:r>
+                                <a:rPr lang="en-US" i="1">
+                                  <a:latin typeface="Cambria Math" panose="02040503050406030204" pitchFamily="18" charset="0"/>
+                                </a:rPr>
+                                <m:t>2</m:t>
+                              </m:r>
+                            </m:sup>
+                          </m:sSubSup>
+                          <m:sSub>
+                            <m:sSubPr>
+                              <m:ctrlPr>
+                                <a:rPr lang="en-US" i="1">
+                                  <a:latin typeface="Cambria Math" panose="02040503050406030204" pitchFamily="18" charset="0"/>
+                                </a:rPr>
+                              </m:ctrlPr>
+                            </m:sSubPr>
+                            <m:e>
+                              <m:acc>
+                                <m:accPr>
+                                  <m:chr m:val="̃"/>
+                                  <m:ctrlPr>
+                                    <a:rPr lang="en-US" i="1">
+                                      <a:latin typeface="Cambria Math" panose="02040503050406030204" pitchFamily="18" charset="0"/>
+                                    </a:rPr>
+                                  </m:ctrlPr>
+                                </m:accPr>
+                                <m:e>
+                                  <m:r>
+                                    <a:rPr lang="en-US" i="1">
+                                      <a:latin typeface="Cambria Math" panose="02040503050406030204" pitchFamily="18" charset="0"/>
+                                    </a:rPr>
+                                    <m:t>𝑇</m:t>
+                                  </m:r>
+                                </m:e>
+                              </m:acc>
+                            </m:e>
+                            <m:sub>
+                              <m:r>
+                                <a:rPr lang="en-US" i="1">
+                                  <a:latin typeface="Cambria Math" panose="02040503050406030204" pitchFamily="18" charset="0"/>
+                                </a:rPr>
+                                <m:t>𝑖</m:t>
+                              </m:r>
+                            </m:sub>
+                          </m:sSub>
+                          <m:r>
+                            <a:rPr lang="en-US" i="1">
+                              <a:latin typeface="Cambria Math" panose="02040503050406030204" pitchFamily="18" charset="0"/>
+                            </a:rPr>
+                            <m:t>]</m:t>
+                          </m:r>
+                          <m:r>
+                            <a:rPr lang="en-US" b="0" i="1" smtClean="0">
+                              <a:latin typeface="Cambria Math" panose="02040503050406030204" pitchFamily="18" charset="0"/>
+                            </a:rPr>
+                            <m:t>)</m:t>
+                          </m:r>
+                        </m:den>
+                      </m:f>
+                    </m:oMath>
+                  </m:oMathPara>
+                </a14:m>
+                <a:endParaRPr lang="en-US" dirty="0"/>
+              </a:p>
+              <a:p>
+                <a:r>
+                  <a:rPr lang="en-US" dirty="0"/>
+                  <a:t>The problem is that </a:t>
+                </a:r>
+                <a14:m>
+                  <m:oMath xmlns:m="http://schemas.openxmlformats.org/officeDocument/2006/math">
+                    <m:r>
+                      <a:rPr lang="en-US" i="1">
+                        <a:latin typeface="Cambria Math" panose="02040503050406030204" pitchFamily="18" charset="0"/>
+                      </a:rPr>
+                      <m:t>𝐸</m:t>
+                    </m:r>
+                    <m:d>
+                      <m:dPr>
+                        <m:begChr m:val="["/>
+                        <m:endChr m:val="|"/>
+                        <m:ctrlPr>
+                          <a:rPr lang="en-US" i="1">
+                            <a:latin typeface="Cambria Math" panose="02040503050406030204" pitchFamily="18" charset="0"/>
+                          </a:rPr>
+                        </m:ctrlPr>
+                      </m:dPr>
+                      <m:e>
+                        <m:sSub>
+                          <m:sSubPr>
+                            <m:ctrlPr>
+                              <a:rPr lang="en-US" i="1">
+                                <a:latin typeface="Cambria Math" panose="02040503050406030204" pitchFamily="18" charset="0"/>
+                              </a:rPr>
+                            </m:ctrlPr>
+                          </m:sSubPr>
+                          <m:e>
+                            <m:r>
+                              <a:rPr lang="en-US" i="1">
+                                <a:latin typeface="Cambria Math" panose="02040503050406030204" pitchFamily="18" charset="0"/>
+                              </a:rPr>
+                              <m:t>𝑧</m:t>
+                            </m:r>
+                          </m:e>
+                          <m:sub>
+                            <m:r>
+                              <a:rPr lang="en-US" i="1">
+                                <a:latin typeface="Cambria Math" panose="02040503050406030204" pitchFamily="18" charset="0"/>
+                              </a:rPr>
+                              <m:t>1</m:t>
+                            </m:r>
+                            <m:r>
+                              <a:rPr lang="en-US" i="1">
+                                <a:latin typeface="Cambria Math" panose="02040503050406030204" pitchFamily="18" charset="0"/>
+                              </a:rPr>
+                              <m:t>𝑖</m:t>
+                            </m:r>
+                          </m:sub>
+                        </m:sSub>
+                        <m:r>
+                          <a:rPr lang="en-US" i="1">
+                            <a:latin typeface="Cambria Math" panose="02040503050406030204" pitchFamily="18" charset="0"/>
+                          </a:rPr>
+                          <m:t> </m:t>
+                        </m:r>
+                        <m:sSub>
+                          <m:sSubPr>
+                            <m:ctrlPr>
+                              <a:rPr lang="en-US" i="1">
+                                <a:latin typeface="Cambria Math" panose="02040503050406030204" pitchFamily="18" charset="0"/>
+                              </a:rPr>
+                            </m:ctrlPr>
+                          </m:sSubPr>
+                          <m:e>
+                            <m:acc>
+                              <m:accPr>
+                                <m:chr m:val="̃"/>
+                                <m:ctrlPr>
+                                  <a:rPr lang="en-US" i="1">
+                                    <a:latin typeface="Cambria Math" panose="02040503050406030204" pitchFamily="18" charset="0"/>
+                                  </a:rPr>
+                                </m:ctrlPr>
+                              </m:accPr>
+                              <m:e>
+                                <m:r>
+                                  <a:rPr lang="en-US" i="1">
+                                    <a:latin typeface="Cambria Math" panose="02040503050406030204" pitchFamily="18" charset="0"/>
+                                  </a:rPr>
+                                  <m:t>𝑇</m:t>
+                                </m:r>
+                              </m:e>
+                            </m:acc>
+                          </m:e>
+                          <m:sub>
+                            <m:r>
+                              <a:rPr lang="en-US" i="1">
+                                <a:latin typeface="Cambria Math" panose="02040503050406030204" pitchFamily="18" charset="0"/>
+                              </a:rPr>
+                              <m:t>𝑖</m:t>
+                            </m:r>
+                          </m:sub>
+                        </m:sSub>
+                        <m:r>
+                          <a:rPr lang="en-US" i="1">
+                            <a:latin typeface="Cambria Math" panose="02040503050406030204" pitchFamily="18" charset="0"/>
+                          </a:rPr>
+                          <m:t> </m:t>
+                        </m:r>
+                      </m:e>
+                    </m:d>
+                    <m:sSubSup>
+                      <m:sSubSupPr>
+                        <m:ctrlPr>
+                          <a:rPr lang="en-US" i="1">
+                            <a:latin typeface="Cambria Math" panose="02040503050406030204" pitchFamily="18" charset="0"/>
+                          </a:rPr>
+                        </m:ctrlPr>
+                      </m:sSubSupPr>
+                      <m:e>
+                        <m:r>
+                          <a:rPr lang="en-US" i="1">
+                            <a:latin typeface="Cambria Math" panose="02040503050406030204" pitchFamily="18" charset="0"/>
+                          </a:rPr>
+                          <m:t>𝑧</m:t>
+                        </m:r>
+                      </m:e>
+                      <m:sub>
+                        <m:r>
+                          <a:rPr lang="en-US" i="1">
+                            <a:latin typeface="Cambria Math" panose="02040503050406030204" pitchFamily="18" charset="0"/>
+                          </a:rPr>
+                          <m:t>1</m:t>
+                        </m:r>
+                        <m:r>
+                          <a:rPr lang="en-US" i="1">
+                            <a:latin typeface="Cambria Math" panose="02040503050406030204" pitchFamily="18" charset="0"/>
+                          </a:rPr>
+                          <m:t>𝑖</m:t>
+                        </m:r>
+                      </m:sub>
+                      <m:sup>
+                        <m:r>
+                          <a:rPr lang="en-US" i="1">
+                            <a:latin typeface="Cambria Math" panose="02040503050406030204" pitchFamily="18" charset="0"/>
+                          </a:rPr>
+                          <m:t>2</m:t>
+                        </m:r>
+                      </m:sup>
+                    </m:sSubSup>
+                    <m:sSub>
+                      <m:sSubPr>
+                        <m:ctrlPr>
+                          <a:rPr lang="en-US" i="1">
+                            <a:latin typeface="Cambria Math" panose="02040503050406030204" pitchFamily="18" charset="0"/>
+                          </a:rPr>
+                        </m:ctrlPr>
+                      </m:sSubPr>
+                      <m:e>
+                        <m:acc>
+                          <m:accPr>
+                            <m:chr m:val="̃"/>
+                            <m:ctrlPr>
+                              <a:rPr lang="en-US" i="1">
+                                <a:latin typeface="Cambria Math" panose="02040503050406030204" pitchFamily="18" charset="0"/>
+                              </a:rPr>
+                            </m:ctrlPr>
+                          </m:accPr>
+                          <m:e>
+                            <m:r>
+                              <a:rPr lang="en-US" i="1">
+                                <a:latin typeface="Cambria Math" panose="02040503050406030204" pitchFamily="18" charset="0"/>
+                              </a:rPr>
+                              <m:t>𝑇</m:t>
+                            </m:r>
+                          </m:e>
+                        </m:acc>
+                      </m:e>
+                      <m:sub>
+                        <m:r>
+                          <a:rPr lang="en-US" i="1">
+                            <a:latin typeface="Cambria Math" panose="02040503050406030204" pitchFamily="18" charset="0"/>
+                          </a:rPr>
+                          <m:t>𝑖</m:t>
+                        </m:r>
+                      </m:sub>
+                    </m:sSub>
+                    <m:r>
+                      <a:rPr lang="en-US" i="1">
+                        <a:latin typeface="Cambria Math" panose="02040503050406030204" pitchFamily="18" charset="0"/>
+                      </a:rPr>
+                      <m:t>]</m:t>
+                    </m:r>
+                  </m:oMath>
+                </a14:m>
+                <a:r>
+                  <a:rPr lang="en-US" dirty="0"/>
+                  <a:t> is a linear expectation and could be more flexible</a:t>
+                </a:r>
+              </a:p>
+              <a:p>
+                <a:endParaRPr lang="en-US" dirty="0"/>
+              </a:p>
+            </p:txBody>
+          </p:sp>
+        </mc:Choice>
+        <mc:Fallback>
+          <p:sp>
+            <p:nvSpPr>
+              <p:cNvPr id="3" name="Content Placeholder 2">
+                <a:extLst>
+                  <a:ext uri="{FF2B5EF4-FFF2-40B4-BE49-F238E27FC236}">
+                    <a16:creationId xmlns:a16="http://schemas.microsoft.com/office/drawing/2014/main" id="{5A5C6A5E-7DAF-B641-B842-0EE1426E5F1E}"/>
+                  </a:ext>
+                </a:extLst>
+              </p:cNvPr>
+              <p:cNvSpPr>
+                <a:spLocks noGrp="1" noRot="1" noChangeAspect="1" noMove="1" noResize="1" noEditPoints="1" noAdjustHandles="1" noChangeArrowheads="1" noChangeShapeType="1" noTextEdit="1"/>
+              </p:cNvSpPr>
+              <p:nvPr>
+                <p:ph idx="1"/>
+              </p:nvPr>
+            </p:nvSpPr>
+            <p:spPr>
+              <a:blipFill>
+                <a:blip r:embed="rId3"/>
+                <a:stretch>
+                  <a:fillRect l="-1086" t="-2326"/>
+                </a:stretch>
+              </a:blipFill>
+            </p:spPr>
+            <p:txBody>
+              <a:bodyPr/>
+              <a:lstStyle/>
+              <a:p>
+                <a:r>
+                  <a:rPr lang="en-US">
+                    <a:noFill/>
+                  </a:rPr>
+                  <a:t> </a:t>
+                </a:r>
+              </a:p>
+            </p:txBody>
+          </p:sp>
+        </mc:Fallback>
+      </mc:AlternateContent>
     </p:spTree>
     <p:extLst>
       <p:ext uri="{BB962C8B-B14F-4D97-AF65-F5344CB8AC3E}">
-        <p14:creationId xmlns:p14="http://schemas.microsoft.com/office/powerpoint/2010/main" val="3181061951"/>
+        <p14:creationId xmlns:p14="http://schemas.microsoft.com/office/powerpoint/2010/main" val="2991771524"/>
       </p:ext>
     </p:extLst>
   </p:cSld>
@@ -5682,6 +8101,1157 @@
 </file>
 
 <file path=ppt/slides/slide14.xml><?xml version="1.0" encoding="utf-8"?>
+<p:sld xmlns:a="http://schemas.openxmlformats.org/drawingml/2006/main" xmlns:r="http://schemas.openxmlformats.org/officeDocument/2006/relationships" xmlns:p="http://schemas.openxmlformats.org/presentationml/2006/main">
+  <p:cSld>
+    <p:spTree>
+      <p:nvGrpSpPr>
+        <p:cNvPr id="1" name=""/>
+        <p:cNvGrpSpPr/>
+        <p:nvPr/>
+      </p:nvGrpSpPr>
+      <p:grpSpPr>
+        <a:xfrm>
+          <a:off x="0" y="0"/>
+          <a:ext cx="0" cy="0"/>
+          <a:chOff x="0" y="0"/>
+          <a:chExt cx="0" cy="0"/>
+        </a:xfrm>
+      </p:grpSpPr>
+      <p:sp>
+        <p:nvSpPr>
+          <p:cNvPr id="2" name="Title 1">
+            <a:extLst>
+              <a:ext uri="{FF2B5EF4-FFF2-40B4-BE49-F238E27FC236}">
+                <a16:creationId xmlns:a16="http://schemas.microsoft.com/office/drawing/2014/main" id="{29143A17-CC3C-4A41-935E-17852CA95763}"/>
+              </a:ext>
+            </a:extLst>
+          </p:cNvPr>
+          <p:cNvSpPr>
+            <a:spLocks noGrp="1"/>
+          </p:cNvSpPr>
+          <p:nvPr>
+            <p:ph type="title"/>
+          </p:nvPr>
+        </p:nvSpPr>
+        <p:spPr/>
+        <p:txBody>
+          <a:bodyPr/>
+          <a:lstStyle/>
+          <a:p>
+            <a:r>
+              <a:rPr lang="en-US" dirty="0"/>
+              <a:t>HR – flexible </a:t>
+            </a:r>
+            <a:r>
+              <a:rPr lang="en-US" dirty="0" err="1"/>
+              <a:t>residualization</a:t>
+            </a:r>
+            <a:endParaRPr lang="en-US" dirty="0"/>
+          </a:p>
+        </p:txBody>
+      </p:sp>
+      <mc:AlternateContent xmlns:mc="http://schemas.openxmlformats.org/markup-compatibility/2006">
+        <mc:Choice xmlns:a14="http://schemas.microsoft.com/office/drawing/2010/main" Requires="a14">
+          <p:sp>
+            <p:nvSpPr>
+              <p:cNvPr id="3" name="Content Placeholder 2">
+                <a:extLst>
+                  <a:ext uri="{FF2B5EF4-FFF2-40B4-BE49-F238E27FC236}">
+                    <a16:creationId xmlns:a16="http://schemas.microsoft.com/office/drawing/2014/main" id="{5A5C6A5E-7DAF-B641-B842-0EE1426E5F1E}"/>
+                  </a:ext>
+                </a:extLst>
+              </p:cNvPr>
+              <p:cNvSpPr>
+                <a:spLocks noGrp="1"/>
+              </p:cNvSpPr>
+              <p:nvPr>
+                <p:ph idx="1"/>
+              </p:nvPr>
+            </p:nvSpPr>
+            <p:spPr/>
+            <p:txBody>
+              <a:bodyPr/>
+              <a:lstStyle/>
+              <a:p>
+                <a:pPr marL="0" indent="0">
+                  <a:buNone/>
+                </a:pPr>
+                <a14:m>
+                  <m:oMathPara xmlns:m="http://schemas.openxmlformats.org/officeDocument/2006/math">
+                    <m:oMathParaPr>
+                      <m:jc m:val="centerGroup"/>
+                    </m:oMathParaPr>
+                    <m:oMath xmlns:m="http://schemas.openxmlformats.org/officeDocument/2006/math">
+                      <m:sSub>
+                        <m:sSubPr>
+                          <m:ctrlPr>
+                            <a:rPr lang="en-US" i="1" smtClean="0">
+                              <a:latin typeface="Cambria Math" panose="02040503050406030204" pitchFamily="18" charset="0"/>
+                            </a:rPr>
+                          </m:ctrlPr>
+                        </m:sSubPr>
+                        <m:e>
+                          <m:acc>
+                            <m:accPr>
+                              <m:chr m:val="̂"/>
+                              <m:ctrlPr>
+                                <a:rPr lang="en-US" i="1">
+                                  <a:latin typeface="Cambria Math" panose="02040503050406030204" pitchFamily="18" charset="0"/>
+                                </a:rPr>
+                              </m:ctrlPr>
+                            </m:accPr>
+                            <m:e>
+                              <m:r>
+                                <a:rPr lang="en-US" i="1">
+                                  <a:latin typeface="Cambria Math" panose="02040503050406030204" pitchFamily="18" charset="0"/>
+                                </a:rPr>
+                                <m:t>𝜏</m:t>
+                              </m:r>
+                            </m:e>
+                          </m:acc>
+                        </m:e>
+                        <m:sub>
+                          <m:r>
+                            <a:rPr lang="en-US" i="1">
+                              <a:latin typeface="Cambria Math" panose="02040503050406030204" pitchFamily="18" charset="0"/>
+                            </a:rPr>
+                            <m:t>1</m:t>
+                          </m:r>
+                        </m:sub>
+                      </m:sSub>
+                      <m:r>
+                        <a:rPr lang="en-US" i="1">
+                          <a:latin typeface="Cambria Math" panose="02040503050406030204" pitchFamily="18" charset="0"/>
+                        </a:rPr>
+                        <m:t>=</m:t>
+                      </m:r>
+                      <m:f>
+                        <m:fPr>
+                          <m:ctrlPr>
+                            <a:rPr lang="en-US" i="1">
+                              <a:latin typeface="Cambria Math" panose="02040503050406030204" pitchFamily="18" charset="0"/>
+                            </a:rPr>
+                          </m:ctrlPr>
+                        </m:fPr>
+                        <m:num>
+                          <m:r>
+                            <a:rPr lang="en-US" i="1">
+                              <a:latin typeface="Cambria Math" panose="02040503050406030204" pitchFamily="18" charset="0"/>
+                            </a:rPr>
+                            <m:t>𝑐𝑜𝑣</m:t>
+                          </m:r>
+                          <m:r>
+                            <a:rPr lang="en-US" i="1">
+                              <a:latin typeface="Cambria Math" panose="02040503050406030204" pitchFamily="18" charset="0"/>
+                            </a:rPr>
+                            <m:t>( </m:t>
+                          </m:r>
+                          <m:sSub>
+                            <m:sSubPr>
+                              <m:ctrlPr>
+                                <a:rPr lang="en-US" i="1">
+                                  <a:latin typeface="Cambria Math" panose="02040503050406030204" pitchFamily="18" charset="0"/>
+                                </a:rPr>
+                              </m:ctrlPr>
+                            </m:sSubPr>
+                            <m:e>
+                              <m:acc>
+                                <m:accPr>
+                                  <m:chr m:val="̃"/>
+                                  <m:ctrlPr>
+                                    <a:rPr lang="en-US" i="1">
+                                      <a:latin typeface="Cambria Math" panose="02040503050406030204" pitchFamily="18" charset="0"/>
+                                    </a:rPr>
+                                  </m:ctrlPr>
+                                </m:accPr>
+                                <m:e>
+                                  <m:r>
+                                    <a:rPr lang="en-US" i="1">
+                                      <a:latin typeface="Cambria Math" panose="02040503050406030204" pitchFamily="18" charset="0"/>
+                                    </a:rPr>
+                                    <m:t>𝑌</m:t>
+                                  </m:r>
+                                </m:e>
+                              </m:acc>
+                            </m:e>
+                            <m:sub>
+                              <m:r>
+                                <a:rPr lang="en-US" i="1">
+                                  <a:latin typeface="Cambria Math" panose="02040503050406030204" pitchFamily="18" charset="0"/>
+                                </a:rPr>
+                                <m:t>𝑖</m:t>
+                              </m:r>
+                            </m:sub>
+                          </m:sSub>
+                          <m:r>
+                            <a:rPr lang="en-US" i="1">
+                              <a:latin typeface="Cambria Math" panose="02040503050406030204" pitchFamily="18" charset="0"/>
+                            </a:rPr>
+                            <m:t>,</m:t>
+                          </m:r>
+                          <m:sSub>
+                            <m:sSubPr>
+                              <m:ctrlPr>
+                                <a:rPr lang="en-US" i="1">
+                                  <a:latin typeface="Cambria Math" panose="02040503050406030204" pitchFamily="18" charset="0"/>
+                                </a:rPr>
+                              </m:ctrlPr>
+                            </m:sSubPr>
+                            <m:e>
+                              <m:r>
+                                <a:rPr lang="en-US" i="1">
+                                  <a:latin typeface="Cambria Math" panose="02040503050406030204" pitchFamily="18" charset="0"/>
+                                </a:rPr>
+                                <m:t>𝑧</m:t>
+                              </m:r>
+                            </m:e>
+                            <m:sub>
+                              <m:r>
+                                <a:rPr lang="en-US" i="1">
+                                  <a:latin typeface="Cambria Math" panose="02040503050406030204" pitchFamily="18" charset="0"/>
+                                </a:rPr>
+                                <m:t>1</m:t>
+                              </m:r>
+                              <m:r>
+                                <a:rPr lang="en-US" i="1">
+                                  <a:latin typeface="Cambria Math" panose="02040503050406030204" pitchFamily="18" charset="0"/>
+                                </a:rPr>
+                                <m:t>𝑖</m:t>
+                              </m:r>
+                            </m:sub>
+                          </m:sSub>
+                          <m:r>
+                            <a:rPr lang="en-US" i="1">
+                              <a:latin typeface="Cambria Math" panose="02040503050406030204" pitchFamily="18" charset="0"/>
+                            </a:rPr>
+                            <m:t> </m:t>
+                          </m:r>
+                          <m:sSub>
+                            <m:sSubPr>
+                              <m:ctrlPr>
+                                <a:rPr lang="en-US" i="1">
+                                  <a:latin typeface="Cambria Math" panose="02040503050406030204" pitchFamily="18" charset="0"/>
+                                </a:rPr>
+                              </m:ctrlPr>
+                            </m:sSubPr>
+                            <m:e>
+                              <m:acc>
+                                <m:accPr>
+                                  <m:chr m:val="̃"/>
+                                  <m:ctrlPr>
+                                    <a:rPr lang="en-US" i="1">
+                                      <a:latin typeface="Cambria Math" panose="02040503050406030204" pitchFamily="18" charset="0"/>
+                                    </a:rPr>
+                                  </m:ctrlPr>
+                                </m:accPr>
+                                <m:e>
+                                  <m:r>
+                                    <a:rPr lang="en-US" i="1">
+                                      <a:latin typeface="Cambria Math" panose="02040503050406030204" pitchFamily="18" charset="0"/>
+                                    </a:rPr>
+                                    <m:t>𝑇</m:t>
+                                  </m:r>
+                                </m:e>
+                              </m:acc>
+                            </m:e>
+                            <m:sub>
+                              <m:r>
+                                <a:rPr lang="en-US" i="1">
+                                  <a:latin typeface="Cambria Math" panose="02040503050406030204" pitchFamily="18" charset="0"/>
+                                </a:rPr>
+                                <m:t>𝑖</m:t>
+                              </m:r>
+                            </m:sub>
+                          </m:sSub>
+                          <m:r>
+                            <a:rPr lang="en-US" i="1">
+                              <a:latin typeface="Cambria Math" panose="02040503050406030204" pitchFamily="18" charset="0"/>
+                            </a:rPr>
+                            <m:t>−</m:t>
+                          </m:r>
+                          <m:r>
+                            <a:rPr lang="en-US" i="1" smtClean="0">
+                              <a:solidFill>
+                                <a:schemeClr val="accent2"/>
+                              </a:solidFill>
+                              <a:latin typeface="Cambria Math" panose="02040503050406030204" pitchFamily="18" charset="0"/>
+                            </a:rPr>
+                            <m:t>𝐸</m:t>
+                          </m:r>
+                          <m:d>
+                            <m:dPr>
+                              <m:begChr m:val="["/>
+                              <m:endChr m:val="|"/>
+                              <m:ctrlPr>
+                                <a:rPr lang="en-US" i="1">
+                                  <a:solidFill>
+                                    <a:schemeClr val="accent2"/>
+                                  </a:solidFill>
+                                  <a:latin typeface="Cambria Math" panose="02040503050406030204" pitchFamily="18" charset="0"/>
+                                </a:rPr>
+                              </m:ctrlPr>
+                            </m:dPr>
+                            <m:e>
+                              <m:sSub>
+                                <m:sSubPr>
+                                  <m:ctrlPr>
+                                    <a:rPr lang="en-US" i="1">
+                                      <a:solidFill>
+                                        <a:schemeClr val="accent2"/>
+                                      </a:solidFill>
+                                      <a:latin typeface="Cambria Math" panose="02040503050406030204" pitchFamily="18" charset="0"/>
+                                    </a:rPr>
+                                  </m:ctrlPr>
+                                </m:sSubPr>
+                                <m:e>
+                                  <m:r>
+                                    <a:rPr lang="en-US" i="1">
+                                      <a:solidFill>
+                                        <a:schemeClr val="accent2"/>
+                                      </a:solidFill>
+                                      <a:latin typeface="Cambria Math" panose="02040503050406030204" pitchFamily="18" charset="0"/>
+                                    </a:rPr>
+                                    <m:t>𝑧</m:t>
+                                  </m:r>
+                                </m:e>
+                                <m:sub>
+                                  <m:r>
+                                    <a:rPr lang="en-US" i="1">
+                                      <a:solidFill>
+                                        <a:schemeClr val="accent2"/>
+                                      </a:solidFill>
+                                      <a:latin typeface="Cambria Math" panose="02040503050406030204" pitchFamily="18" charset="0"/>
+                                    </a:rPr>
+                                    <m:t>1</m:t>
+                                  </m:r>
+                                  <m:r>
+                                    <a:rPr lang="en-US" i="1">
+                                      <a:solidFill>
+                                        <a:schemeClr val="accent2"/>
+                                      </a:solidFill>
+                                      <a:latin typeface="Cambria Math" panose="02040503050406030204" pitchFamily="18" charset="0"/>
+                                    </a:rPr>
+                                    <m:t>𝑖</m:t>
+                                  </m:r>
+                                </m:sub>
+                              </m:sSub>
+                              <m:r>
+                                <a:rPr lang="en-US" i="1">
+                                  <a:solidFill>
+                                    <a:schemeClr val="accent2"/>
+                                  </a:solidFill>
+                                  <a:latin typeface="Cambria Math" panose="02040503050406030204" pitchFamily="18" charset="0"/>
+                                </a:rPr>
+                                <m:t> </m:t>
+                              </m:r>
+                              <m:sSub>
+                                <m:sSubPr>
+                                  <m:ctrlPr>
+                                    <a:rPr lang="en-US" i="1">
+                                      <a:solidFill>
+                                        <a:schemeClr val="accent2"/>
+                                      </a:solidFill>
+                                      <a:latin typeface="Cambria Math" panose="02040503050406030204" pitchFamily="18" charset="0"/>
+                                    </a:rPr>
+                                  </m:ctrlPr>
+                                </m:sSubPr>
+                                <m:e>
+                                  <m:acc>
+                                    <m:accPr>
+                                      <m:chr m:val="̃"/>
+                                      <m:ctrlPr>
+                                        <a:rPr lang="en-US" i="1">
+                                          <a:solidFill>
+                                            <a:schemeClr val="accent2"/>
+                                          </a:solidFill>
+                                          <a:latin typeface="Cambria Math" panose="02040503050406030204" pitchFamily="18" charset="0"/>
+                                        </a:rPr>
+                                      </m:ctrlPr>
+                                    </m:accPr>
+                                    <m:e>
+                                      <m:r>
+                                        <a:rPr lang="en-US" i="1">
+                                          <a:solidFill>
+                                            <a:schemeClr val="accent2"/>
+                                          </a:solidFill>
+                                          <a:latin typeface="Cambria Math" panose="02040503050406030204" pitchFamily="18" charset="0"/>
+                                        </a:rPr>
+                                        <m:t>𝑇</m:t>
+                                      </m:r>
+                                    </m:e>
+                                  </m:acc>
+                                </m:e>
+                                <m:sub>
+                                  <m:r>
+                                    <a:rPr lang="en-US" i="1">
+                                      <a:solidFill>
+                                        <a:schemeClr val="accent2"/>
+                                      </a:solidFill>
+                                      <a:latin typeface="Cambria Math" panose="02040503050406030204" pitchFamily="18" charset="0"/>
+                                    </a:rPr>
+                                    <m:t>𝑖</m:t>
+                                  </m:r>
+                                </m:sub>
+                              </m:sSub>
+                              <m:r>
+                                <a:rPr lang="en-US" i="1">
+                                  <a:solidFill>
+                                    <a:schemeClr val="accent2"/>
+                                  </a:solidFill>
+                                  <a:latin typeface="Cambria Math" panose="02040503050406030204" pitchFamily="18" charset="0"/>
+                                </a:rPr>
+                                <m:t> </m:t>
+                              </m:r>
+                            </m:e>
+                          </m:d>
+                          <m:sSubSup>
+                            <m:sSubSupPr>
+                              <m:ctrlPr>
+                                <a:rPr lang="en-US" i="1">
+                                  <a:solidFill>
+                                    <a:schemeClr val="accent2"/>
+                                  </a:solidFill>
+                                  <a:latin typeface="Cambria Math" panose="02040503050406030204" pitchFamily="18" charset="0"/>
+                                </a:rPr>
+                              </m:ctrlPr>
+                            </m:sSubSupPr>
+                            <m:e>
+                              <m:r>
+                                <a:rPr lang="en-US" i="1">
+                                  <a:solidFill>
+                                    <a:schemeClr val="accent2"/>
+                                  </a:solidFill>
+                                  <a:latin typeface="Cambria Math" panose="02040503050406030204" pitchFamily="18" charset="0"/>
+                                </a:rPr>
+                                <m:t>𝑧</m:t>
+                              </m:r>
+                            </m:e>
+                            <m:sub>
+                              <m:r>
+                                <a:rPr lang="en-US" i="1">
+                                  <a:solidFill>
+                                    <a:schemeClr val="accent2"/>
+                                  </a:solidFill>
+                                  <a:latin typeface="Cambria Math" panose="02040503050406030204" pitchFamily="18" charset="0"/>
+                                </a:rPr>
+                                <m:t>1</m:t>
+                              </m:r>
+                              <m:r>
+                                <a:rPr lang="en-US" i="1">
+                                  <a:solidFill>
+                                    <a:schemeClr val="accent2"/>
+                                  </a:solidFill>
+                                  <a:latin typeface="Cambria Math" panose="02040503050406030204" pitchFamily="18" charset="0"/>
+                                </a:rPr>
+                                <m:t>𝑖</m:t>
+                              </m:r>
+                            </m:sub>
+                            <m:sup>
+                              <m:r>
+                                <a:rPr lang="en-US" i="1">
+                                  <a:solidFill>
+                                    <a:schemeClr val="accent2"/>
+                                  </a:solidFill>
+                                  <a:latin typeface="Cambria Math" panose="02040503050406030204" pitchFamily="18" charset="0"/>
+                                </a:rPr>
+                                <m:t>2</m:t>
+                              </m:r>
+                            </m:sup>
+                          </m:sSubSup>
+                          <m:sSub>
+                            <m:sSubPr>
+                              <m:ctrlPr>
+                                <a:rPr lang="en-US" i="1">
+                                  <a:solidFill>
+                                    <a:schemeClr val="accent2"/>
+                                  </a:solidFill>
+                                  <a:latin typeface="Cambria Math" panose="02040503050406030204" pitchFamily="18" charset="0"/>
+                                </a:rPr>
+                              </m:ctrlPr>
+                            </m:sSubPr>
+                            <m:e>
+                              <m:acc>
+                                <m:accPr>
+                                  <m:chr m:val="̃"/>
+                                  <m:ctrlPr>
+                                    <a:rPr lang="en-US" i="1">
+                                      <a:solidFill>
+                                        <a:schemeClr val="accent2"/>
+                                      </a:solidFill>
+                                      <a:latin typeface="Cambria Math" panose="02040503050406030204" pitchFamily="18" charset="0"/>
+                                    </a:rPr>
+                                  </m:ctrlPr>
+                                </m:accPr>
+                                <m:e>
+                                  <m:r>
+                                    <a:rPr lang="en-US" i="1">
+                                      <a:solidFill>
+                                        <a:schemeClr val="accent2"/>
+                                      </a:solidFill>
+                                      <a:latin typeface="Cambria Math" panose="02040503050406030204" pitchFamily="18" charset="0"/>
+                                    </a:rPr>
+                                    <m:t>𝑇</m:t>
+                                  </m:r>
+                                </m:e>
+                              </m:acc>
+                            </m:e>
+                            <m:sub>
+                              <m:r>
+                                <a:rPr lang="en-US" i="1">
+                                  <a:solidFill>
+                                    <a:schemeClr val="accent2"/>
+                                  </a:solidFill>
+                                  <a:latin typeface="Cambria Math" panose="02040503050406030204" pitchFamily="18" charset="0"/>
+                                </a:rPr>
+                                <m:t>𝑖</m:t>
+                              </m:r>
+                            </m:sub>
+                          </m:sSub>
+                          <m:r>
+                            <a:rPr lang="en-US" i="1">
+                              <a:solidFill>
+                                <a:schemeClr val="accent2"/>
+                              </a:solidFill>
+                              <a:latin typeface="Cambria Math" panose="02040503050406030204" pitchFamily="18" charset="0"/>
+                            </a:rPr>
+                            <m:t>]</m:t>
+                          </m:r>
+                          <m:r>
+                            <a:rPr lang="en-US" i="1">
+                              <a:latin typeface="Cambria Math" panose="02040503050406030204" pitchFamily="18" charset="0"/>
+                            </a:rPr>
+                            <m:t>)</m:t>
+                          </m:r>
+                        </m:num>
+                        <m:den>
+                          <m:r>
+                            <a:rPr lang="en-US" i="1">
+                              <a:latin typeface="Cambria Math" panose="02040503050406030204" pitchFamily="18" charset="0"/>
+                            </a:rPr>
+                            <m:t>𝑣𝑎𝑟</m:t>
+                          </m:r>
+                          <m:r>
+                            <a:rPr lang="en-US" i="1">
+                              <a:latin typeface="Cambria Math" panose="02040503050406030204" pitchFamily="18" charset="0"/>
+                            </a:rPr>
+                            <m:t>(</m:t>
+                          </m:r>
+                          <m:sSub>
+                            <m:sSubPr>
+                              <m:ctrlPr>
+                                <a:rPr lang="en-US" i="1">
+                                  <a:latin typeface="Cambria Math" panose="02040503050406030204" pitchFamily="18" charset="0"/>
+                                </a:rPr>
+                              </m:ctrlPr>
+                            </m:sSubPr>
+                            <m:e>
+                              <m:r>
+                                <a:rPr lang="en-US" i="1">
+                                  <a:latin typeface="Cambria Math" panose="02040503050406030204" pitchFamily="18" charset="0"/>
+                                </a:rPr>
+                                <m:t>𝑧</m:t>
+                              </m:r>
+                            </m:e>
+                            <m:sub>
+                              <m:r>
+                                <a:rPr lang="en-US" i="1">
+                                  <a:latin typeface="Cambria Math" panose="02040503050406030204" pitchFamily="18" charset="0"/>
+                                </a:rPr>
+                                <m:t>1</m:t>
+                              </m:r>
+                              <m:r>
+                                <a:rPr lang="en-US" i="1">
+                                  <a:latin typeface="Cambria Math" panose="02040503050406030204" pitchFamily="18" charset="0"/>
+                                </a:rPr>
+                                <m:t>𝑖</m:t>
+                              </m:r>
+                            </m:sub>
+                          </m:sSub>
+                          <m:r>
+                            <a:rPr lang="en-US" i="1">
+                              <a:latin typeface="Cambria Math" panose="02040503050406030204" pitchFamily="18" charset="0"/>
+                            </a:rPr>
+                            <m:t> </m:t>
+                          </m:r>
+                          <m:sSub>
+                            <m:sSubPr>
+                              <m:ctrlPr>
+                                <a:rPr lang="en-US" i="1">
+                                  <a:latin typeface="Cambria Math" panose="02040503050406030204" pitchFamily="18" charset="0"/>
+                                </a:rPr>
+                              </m:ctrlPr>
+                            </m:sSubPr>
+                            <m:e>
+                              <m:acc>
+                                <m:accPr>
+                                  <m:chr m:val="̃"/>
+                                  <m:ctrlPr>
+                                    <a:rPr lang="en-US" i="1">
+                                      <a:latin typeface="Cambria Math" panose="02040503050406030204" pitchFamily="18" charset="0"/>
+                                    </a:rPr>
+                                  </m:ctrlPr>
+                                </m:accPr>
+                                <m:e>
+                                  <m:r>
+                                    <a:rPr lang="en-US" i="1">
+                                      <a:latin typeface="Cambria Math" panose="02040503050406030204" pitchFamily="18" charset="0"/>
+                                    </a:rPr>
+                                    <m:t>𝑇</m:t>
+                                  </m:r>
+                                </m:e>
+                              </m:acc>
+                            </m:e>
+                            <m:sub>
+                              <m:r>
+                                <a:rPr lang="en-US" i="1">
+                                  <a:latin typeface="Cambria Math" panose="02040503050406030204" pitchFamily="18" charset="0"/>
+                                </a:rPr>
+                                <m:t>𝑖</m:t>
+                              </m:r>
+                            </m:sub>
+                          </m:sSub>
+                          <m:r>
+                            <a:rPr lang="en-US" i="1">
+                              <a:latin typeface="Cambria Math" panose="02040503050406030204" pitchFamily="18" charset="0"/>
+                            </a:rPr>
+                            <m:t>−</m:t>
+                          </m:r>
+                          <m:r>
+                            <a:rPr lang="en-US" i="1" smtClean="0">
+                              <a:solidFill>
+                                <a:schemeClr val="accent2"/>
+                              </a:solidFill>
+                              <a:latin typeface="Cambria Math" panose="02040503050406030204" pitchFamily="18" charset="0"/>
+                            </a:rPr>
+                            <m:t>𝐸</m:t>
+                          </m:r>
+                          <m:d>
+                            <m:dPr>
+                              <m:begChr m:val="["/>
+                              <m:endChr m:val="|"/>
+                              <m:ctrlPr>
+                                <a:rPr lang="en-US" i="1">
+                                  <a:solidFill>
+                                    <a:schemeClr val="accent2"/>
+                                  </a:solidFill>
+                                  <a:latin typeface="Cambria Math" panose="02040503050406030204" pitchFamily="18" charset="0"/>
+                                </a:rPr>
+                              </m:ctrlPr>
+                            </m:dPr>
+                            <m:e>
+                              <m:sSub>
+                                <m:sSubPr>
+                                  <m:ctrlPr>
+                                    <a:rPr lang="en-US" i="1">
+                                      <a:solidFill>
+                                        <a:schemeClr val="accent2"/>
+                                      </a:solidFill>
+                                      <a:latin typeface="Cambria Math" panose="02040503050406030204" pitchFamily="18" charset="0"/>
+                                    </a:rPr>
+                                  </m:ctrlPr>
+                                </m:sSubPr>
+                                <m:e>
+                                  <m:r>
+                                    <a:rPr lang="en-US" i="1">
+                                      <a:solidFill>
+                                        <a:schemeClr val="accent2"/>
+                                      </a:solidFill>
+                                      <a:latin typeface="Cambria Math" panose="02040503050406030204" pitchFamily="18" charset="0"/>
+                                    </a:rPr>
+                                    <m:t>𝑧</m:t>
+                                  </m:r>
+                                </m:e>
+                                <m:sub>
+                                  <m:r>
+                                    <a:rPr lang="en-US" i="1">
+                                      <a:solidFill>
+                                        <a:schemeClr val="accent2"/>
+                                      </a:solidFill>
+                                      <a:latin typeface="Cambria Math" panose="02040503050406030204" pitchFamily="18" charset="0"/>
+                                    </a:rPr>
+                                    <m:t>1</m:t>
+                                  </m:r>
+                                  <m:r>
+                                    <a:rPr lang="en-US" i="1">
+                                      <a:solidFill>
+                                        <a:schemeClr val="accent2"/>
+                                      </a:solidFill>
+                                      <a:latin typeface="Cambria Math" panose="02040503050406030204" pitchFamily="18" charset="0"/>
+                                    </a:rPr>
+                                    <m:t>𝑖</m:t>
+                                  </m:r>
+                                </m:sub>
+                              </m:sSub>
+                              <m:r>
+                                <a:rPr lang="en-US" i="1">
+                                  <a:solidFill>
+                                    <a:schemeClr val="accent2"/>
+                                  </a:solidFill>
+                                  <a:latin typeface="Cambria Math" panose="02040503050406030204" pitchFamily="18" charset="0"/>
+                                </a:rPr>
+                                <m:t> </m:t>
+                              </m:r>
+                              <m:sSub>
+                                <m:sSubPr>
+                                  <m:ctrlPr>
+                                    <a:rPr lang="en-US" i="1">
+                                      <a:solidFill>
+                                        <a:schemeClr val="accent2"/>
+                                      </a:solidFill>
+                                      <a:latin typeface="Cambria Math" panose="02040503050406030204" pitchFamily="18" charset="0"/>
+                                    </a:rPr>
+                                  </m:ctrlPr>
+                                </m:sSubPr>
+                                <m:e>
+                                  <m:acc>
+                                    <m:accPr>
+                                      <m:chr m:val="̃"/>
+                                      <m:ctrlPr>
+                                        <a:rPr lang="en-US" i="1">
+                                          <a:solidFill>
+                                            <a:schemeClr val="accent2"/>
+                                          </a:solidFill>
+                                          <a:latin typeface="Cambria Math" panose="02040503050406030204" pitchFamily="18" charset="0"/>
+                                        </a:rPr>
+                                      </m:ctrlPr>
+                                    </m:accPr>
+                                    <m:e>
+                                      <m:r>
+                                        <a:rPr lang="en-US" i="1">
+                                          <a:solidFill>
+                                            <a:schemeClr val="accent2"/>
+                                          </a:solidFill>
+                                          <a:latin typeface="Cambria Math" panose="02040503050406030204" pitchFamily="18" charset="0"/>
+                                        </a:rPr>
+                                        <m:t>𝑇</m:t>
+                                      </m:r>
+                                    </m:e>
+                                  </m:acc>
+                                </m:e>
+                                <m:sub>
+                                  <m:r>
+                                    <a:rPr lang="en-US" i="1">
+                                      <a:solidFill>
+                                        <a:schemeClr val="accent2"/>
+                                      </a:solidFill>
+                                      <a:latin typeface="Cambria Math" panose="02040503050406030204" pitchFamily="18" charset="0"/>
+                                    </a:rPr>
+                                    <m:t>𝑖</m:t>
+                                  </m:r>
+                                </m:sub>
+                              </m:sSub>
+                              <m:r>
+                                <a:rPr lang="en-US" i="1">
+                                  <a:solidFill>
+                                    <a:schemeClr val="accent2"/>
+                                  </a:solidFill>
+                                  <a:latin typeface="Cambria Math" panose="02040503050406030204" pitchFamily="18" charset="0"/>
+                                </a:rPr>
+                                <m:t> </m:t>
+                              </m:r>
+                            </m:e>
+                          </m:d>
+                          <m:sSubSup>
+                            <m:sSubSupPr>
+                              <m:ctrlPr>
+                                <a:rPr lang="en-US" i="1">
+                                  <a:solidFill>
+                                    <a:schemeClr val="accent2"/>
+                                  </a:solidFill>
+                                  <a:latin typeface="Cambria Math" panose="02040503050406030204" pitchFamily="18" charset="0"/>
+                                </a:rPr>
+                              </m:ctrlPr>
+                            </m:sSubSupPr>
+                            <m:e>
+                              <m:r>
+                                <a:rPr lang="en-US" i="1">
+                                  <a:solidFill>
+                                    <a:schemeClr val="accent2"/>
+                                  </a:solidFill>
+                                  <a:latin typeface="Cambria Math" panose="02040503050406030204" pitchFamily="18" charset="0"/>
+                                </a:rPr>
+                                <m:t>𝑧</m:t>
+                              </m:r>
+                            </m:e>
+                            <m:sub>
+                              <m:r>
+                                <a:rPr lang="en-US" i="1">
+                                  <a:solidFill>
+                                    <a:schemeClr val="accent2"/>
+                                  </a:solidFill>
+                                  <a:latin typeface="Cambria Math" panose="02040503050406030204" pitchFamily="18" charset="0"/>
+                                </a:rPr>
+                                <m:t>1</m:t>
+                              </m:r>
+                              <m:r>
+                                <a:rPr lang="en-US" i="1">
+                                  <a:solidFill>
+                                    <a:schemeClr val="accent2"/>
+                                  </a:solidFill>
+                                  <a:latin typeface="Cambria Math" panose="02040503050406030204" pitchFamily="18" charset="0"/>
+                                </a:rPr>
+                                <m:t>𝑖</m:t>
+                              </m:r>
+                            </m:sub>
+                            <m:sup>
+                              <m:r>
+                                <a:rPr lang="en-US" i="1">
+                                  <a:solidFill>
+                                    <a:schemeClr val="accent2"/>
+                                  </a:solidFill>
+                                  <a:latin typeface="Cambria Math" panose="02040503050406030204" pitchFamily="18" charset="0"/>
+                                </a:rPr>
+                                <m:t>2</m:t>
+                              </m:r>
+                            </m:sup>
+                          </m:sSubSup>
+                          <m:sSub>
+                            <m:sSubPr>
+                              <m:ctrlPr>
+                                <a:rPr lang="en-US" i="1">
+                                  <a:solidFill>
+                                    <a:schemeClr val="accent2"/>
+                                  </a:solidFill>
+                                  <a:latin typeface="Cambria Math" panose="02040503050406030204" pitchFamily="18" charset="0"/>
+                                </a:rPr>
+                              </m:ctrlPr>
+                            </m:sSubPr>
+                            <m:e>
+                              <m:acc>
+                                <m:accPr>
+                                  <m:chr m:val="̃"/>
+                                  <m:ctrlPr>
+                                    <a:rPr lang="en-US" i="1">
+                                      <a:solidFill>
+                                        <a:schemeClr val="accent2"/>
+                                      </a:solidFill>
+                                      <a:latin typeface="Cambria Math" panose="02040503050406030204" pitchFamily="18" charset="0"/>
+                                    </a:rPr>
+                                  </m:ctrlPr>
+                                </m:accPr>
+                                <m:e>
+                                  <m:r>
+                                    <a:rPr lang="en-US" i="1">
+                                      <a:solidFill>
+                                        <a:schemeClr val="accent2"/>
+                                      </a:solidFill>
+                                      <a:latin typeface="Cambria Math" panose="02040503050406030204" pitchFamily="18" charset="0"/>
+                                    </a:rPr>
+                                    <m:t>𝑇</m:t>
+                                  </m:r>
+                                </m:e>
+                              </m:acc>
+                            </m:e>
+                            <m:sub>
+                              <m:r>
+                                <a:rPr lang="en-US" i="1">
+                                  <a:solidFill>
+                                    <a:schemeClr val="accent2"/>
+                                  </a:solidFill>
+                                  <a:latin typeface="Cambria Math" panose="02040503050406030204" pitchFamily="18" charset="0"/>
+                                </a:rPr>
+                                <m:t>𝑖</m:t>
+                              </m:r>
+                            </m:sub>
+                          </m:sSub>
+                          <m:r>
+                            <a:rPr lang="en-US" i="1">
+                              <a:solidFill>
+                                <a:schemeClr val="accent2"/>
+                              </a:solidFill>
+                              <a:latin typeface="Cambria Math" panose="02040503050406030204" pitchFamily="18" charset="0"/>
+                            </a:rPr>
+                            <m:t>]</m:t>
+                          </m:r>
+                          <m:r>
+                            <a:rPr lang="en-US" i="1">
+                              <a:latin typeface="Cambria Math" panose="02040503050406030204" pitchFamily="18" charset="0"/>
+                            </a:rPr>
+                            <m:t>)</m:t>
+                          </m:r>
+                        </m:den>
+                      </m:f>
+                    </m:oMath>
+                  </m:oMathPara>
+                </a14:m>
+                <a:endParaRPr lang="en-US" dirty="0"/>
+              </a:p>
+              <a:p>
+                <a:r>
+                  <a:rPr lang="en-US" dirty="0"/>
+                  <a:t>Let’s use ML models to calculate the </a:t>
+                </a:r>
+                <a:r>
+                  <a:rPr lang="en-US" dirty="0">
+                    <a:solidFill>
+                      <a:schemeClr val="accent2"/>
+                    </a:solidFill>
+                  </a:rPr>
+                  <a:t>expectations. </a:t>
+                </a:r>
+              </a:p>
+              <a:p>
+                <a:r>
+                  <a:rPr lang="en-US" dirty="0"/>
+                  <a:t>Therefore, we need to </a:t>
+                </a:r>
+                <a:r>
+                  <a:rPr lang="en-US" dirty="0" err="1"/>
+                  <a:t>residualize</a:t>
+                </a:r>
+                <a:r>
+                  <a:rPr lang="en-US" dirty="0"/>
+                  <a:t> </a:t>
+                </a:r>
+                <a14:m>
+                  <m:oMath xmlns:m="http://schemas.openxmlformats.org/officeDocument/2006/math">
+                    <m:sSub>
+                      <m:sSubPr>
+                        <m:ctrlPr>
+                          <a:rPr lang="en-US" b="0" i="1" smtClean="0">
+                            <a:latin typeface="Cambria Math" panose="02040503050406030204" pitchFamily="18" charset="0"/>
+                          </a:rPr>
+                        </m:ctrlPr>
+                      </m:sSubPr>
+                      <m:e>
+                        <m:r>
+                          <a:rPr lang="en-US" b="0" i="1" smtClean="0">
+                            <a:latin typeface="Cambria Math" panose="02040503050406030204" pitchFamily="18" charset="0"/>
+                          </a:rPr>
+                          <m:t>𝑇</m:t>
+                        </m:r>
+                      </m:e>
+                      <m:sub>
+                        <m:r>
+                          <a:rPr lang="en-US" b="0" i="1" smtClean="0">
+                            <a:latin typeface="Cambria Math" panose="02040503050406030204" pitchFamily="18" charset="0"/>
+                          </a:rPr>
+                          <m:t>𝑖</m:t>
+                        </m:r>
+                      </m:sub>
+                    </m:sSub>
+                    <m:r>
+                      <a:rPr lang="en-US" b="0" i="1" smtClean="0">
+                        <a:latin typeface="Cambria Math" panose="02040503050406030204" pitchFamily="18" charset="0"/>
+                      </a:rPr>
+                      <m:t>, </m:t>
+                    </m:r>
+                    <m:sSub>
+                      <m:sSubPr>
+                        <m:ctrlPr>
+                          <a:rPr lang="en-US" b="0" i="1" smtClean="0">
+                            <a:latin typeface="Cambria Math" panose="02040503050406030204" pitchFamily="18" charset="0"/>
+                          </a:rPr>
+                        </m:ctrlPr>
+                      </m:sSubPr>
+                      <m:e>
+                        <m:r>
+                          <a:rPr lang="en-US" b="0" i="1" smtClean="0">
+                            <a:latin typeface="Cambria Math" panose="02040503050406030204" pitchFamily="18" charset="0"/>
+                          </a:rPr>
+                          <m:t>𝑧</m:t>
+                        </m:r>
+                      </m:e>
+                      <m:sub>
+                        <m:r>
+                          <a:rPr lang="en-US" b="0" i="1" smtClean="0">
+                            <a:latin typeface="Cambria Math" panose="02040503050406030204" pitchFamily="18" charset="0"/>
+                          </a:rPr>
+                          <m:t>1</m:t>
+                        </m:r>
+                        <m:r>
+                          <a:rPr lang="en-US" b="0" i="1" smtClean="0">
+                            <a:latin typeface="Cambria Math" panose="02040503050406030204" pitchFamily="18" charset="0"/>
+                          </a:rPr>
+                          <m:t>𝑖</m:t>
+                        </m:r>
+                      </m:sub>
+                    </m:sSub>
+                    <m:sSub>
+                      <m:sSubPr>
+                        <m:ctrlPr>
+                          <a:rPr lang="en-US" b="0" i="1" smtClean="0">
+                            <a:latin typeface="Cambria Math" panose="02040503050406030204" pitchFamily="18" charset="0"/>
+                          </a:rPr>
+                        </m:ctrlPr>
+                      </m:sSubPr>
+                      <m:e>
+                        <m:r>
+                          <a:rPr lang="en-US" b="0" i="1" smtClean="0">
+                            <a:latin typeface="Cambria Math" panose="02040503050406030204" pitchFamily="18" charset="0"/>
+                          </a:rPr>
+                          <m:t>𝑇</m:t>
+                        </m:r>
+                      </m:e>
+                      <m:sub>
+                        <m:r>
+                          <a:rPr lang="en-US" b="0" i="1" smtClean="0">
+                            <a:latin typeface="Cambria Math" panose="02040503050406030204" pitchFamily="18" charset="0"/>
+                          </a:rPr>
+                          <m:t>𝑖</m:t>
+                        </m:r>
+                      </m:sub>
+                    </m:sSub>
+                    <m:r>
+                      <a:rPr lang="en-US" b="0" i="1" smtClean="0">
+                        <a:latin typeface="Cambria Math" panose="02040503050406030204" pitchFamily="18" charset="0"/>
+                      </a:rPr>
+                      <m:t>,</m:t>
+                    </m:r>
+                    <m:sSub>
+                      <m:sSubPr>
+                        <m:ctrlPr>
+                          <a:rPr lang="en-US" b="0" i="1" smtClean="0">
+                            <a:latin typeface="Cambria Math" panose="02040503050406030204" pitchFamily="18" charset="0"/>
+                          </a:rPr>
+                        </m:ctrlPr>
+                      </m:sSubPr>
+                      <m:e>
+                        <m:r>
+                          <m:rPr>
+                            <m:nor/>
+                          </m:rPr>
+                          <a:rPr lang="en-US" b="0" i="0" smtClean="0">
+                            <a:latin typeface="Cambria Math" panose="02040503050406030204" pitchFamily="18" charset="0"/>
+                          </a:rPr>
+                          <m:t>and</m:t>
+                        </m:r>
+                        <m:r>
+                          <a:rPr lang="en-US" b="0" i="1" smtClean="0">
+                            <a:latin typeface="Cambria Math" panose="02040503050406030204" pitchFamily="18" charset="0"/>
+                          </a:rPr>
+                          <m:t> </m:t>
+                        </m:r>
+                        <m:sSubSup>
+                          <m:sSubSupPr>
+                            <m:ctrlPr>
+                              <a:rPr lang="en-US" b="0" i="1" smtClean="0">
+                                <a:latin typeface="Cambria Math" panose="02040503050406030204" pitchFamily="18" charset="0"/>
+                              </a:rPr>
+                            </m:ctrlPr>
+                          </m:sSubSupPr>
+                          <m:e>
+                            <m:r>
+                              <a:rPr lang="en-US" b="0" i="1" smtClean="0">
+                                <a:latin typeface="Cambria Math" panose="02040503050406030204" pitchFamily="18" charset="0"/>
+                              </a:rPr>
+                              <m:t>𝑧</m:t>
+                            </m:r>
+                          </m:e>
+                          <m:sub>
+                            <m:r>
+                              <a:rPr lang="en-US" b="0" i="1" smtClean="0">
+                                <a:latin typeface="Cambria Math" panose="02040503050406030204" pitchFamily="18" charset="0"/>
+                              </a:rPr>
+                              <m:t>1</m:t>
+                            </m:r>
+                            <m:r>
+                              <a:rPr lang="en-US" b="0" i="1" smtClean="0">
+                                <a:latin typeface="Cambria Math" panose="02040503050406030204" pitchFamily="18" charset="0"/>
+                              </a:rPr>
+                              <m:t>𝑖</m:t>
+                            </m:r>
+                          </m:sub>
+                          <m:sup>
+                            <m:r>
+                              <a:rPr lang="en-US" b="0" i="1" smtClean="0">
+                                <a:latin typeface="Cambria Math" panose="02040503050406030204" pitchFamily="18" charset="0"/>
+                              </a:rPr>
+                              <m:t>2</m:t>
+                            </m:r>
+                          </m:sup>
+                        </m:sSubSup>
+                        <m:r>
+                          <a:rPr lang="en-US" b="0" i="1" smtClean="0">
+                            <a:latin typeface="Cambria Math" panose="02040503050406030204" pitchFamily="18" charset="0"/>
+                          </a:rPr>
+                          <m:t>𝑇</m:t>
+                        </m:r>
+                      </m:e>
+                      <m:sub>
+                        <m:r>
+                          <a:rPr lang="en-US" b="0" i="1" smtClean="0">
+                            <a:latin typeface="Cambria Math" panose="02040503050406030204" pitchFamily="18" charset="0"/>
+                          </a:rPr>
+                          <m:t>𝑖</m:t>
+                        </m:r>
+                      </m:sub>
+                    </m:sSub>
+                  </m:oMath>
+                </a14:m>
+                <a:r>
+                  <a:rPr lang="en-US" dirty="0"/>
+                  <a:t>.</a:t>
+                </a:r>
+              </a:p>
+              <a:p>
+                <a:r>
+                  <a:rPr lang="en-US" dirty="0"/>
+                  <a:t>This treats HTE as a multiple treatments problem. Instead of studying how </a:t>
+                </a:r>
+                <a:r>
+                  <a:rPr lang="en-US"/>
+                  <a:t>the treatment </a:t>
+                </a:r>
+                <a:endParaRPr lang="en-US" dirty="0"/>
+              </a:p>
+            </p:txBody>
+          </p:sp>
+        </mc:Choice>
+        <mc:Fallback>
+          <p:sp>
+            <p:nvSpPr>
+              <p:cNvPr id="3" name="Content Placeholder 2">
+                <a:extLst>
+                  <a:ext uri="{FF2B5EF4-FFF2-40B4-BE49-F238E27FC236}">
+                    <a16:creationId xmlns:a16="http://schemas.microsoft.com/office/drawing/2014/main" id="{5A5C6A5E-7DAF-B641-B842-0EE1426E5F1E}"/>
+                  </a:ext>
+                </a:extLst>
+              </p:cNvPr>
+              <p:cNvSpPr>
+                <a:spLocks noGrp="1" noRot="1" noChangeAspect="1" noMove="1" noResize="1" noEditPoints="1" noAdjustHandles="1" noChangeArrowheads="1" noChangeShapeType="1" noTextEdit="1"/>
+              </p:cNvSpPr>
+              <p:nvPr>
+                <p:ph idx="1"/>
+              </p:nvPr>
+            </p:nvSpPr>
+            <p:spPr>
+              <a:blipFill>
+                <a:blip r:embed="rId2"/>
+                <a:stretch>
+                  <a:fillRect l="-1086" t="-1453" r="-724"/>
+                </a:stretch>
+              </a:blipFill>
+            </p:spPr>
+            <p:txBody>
+              <a:bodyPr/>
+              <a:lstStyle/>
+              <a:p>
+                <a:r>
+                  <a:rPr lang="en-US">
+                    <a:noFill/>
+                  </a:rPr>
+                  <a:t> </a:t>
+                </a:r>
+              </a:p>
+            </p:txBody>
+          </p:sp>
+        </mc:Fallback>
+      </mc:AlternateContent>
+    </p:spTree>
+    <p:extLst>
+      <p:ext uri="{BB962C8B-B14F-4D97-AF65-F5344CB8AC3E}">
+        <p14:creationId xmlns:p14="http://schemas.microsoft.com/office/powerpoint/2010/main" val="4282295461"/>
+      </p:ext>
+    </p:extLst>
+  </p:cSld>
+  <p:clrMapOvr>
+    <a:masterClrMapping/>
+  </p:clrMapOvr>
+</p:sld>
+</file>
+
+<file path=ppt/slides/slide15.xml><?xml version="1.0" encoding="utf-8"?>
 <p:sld xmlns:a="http://schemas.openxmlformats.org/drawingml/2006/main" xmlns:r="http://schemas.openxmlformats.org/officeDocument/2006/relationships" xmlns:p="http://schemas.openxmlformats.org/presentationml/2006/main">
   <p:cSld>
     <p:spTree>
@@ -5865,7 +9435,7 @@
             </a:pPr>
             <a:r>
               <a:rPr lang="en-US" dirty="0"/>
-              <a:t>Best Practices: Outliers, Class Imbalance, Feature Selection, and Bad Control </a:t>
+              <a:t>Best Practices: Outliers, Class Imbalance, Feature Selection, and Bad Control  [skipped for now]</a:t>
             </a:r>
           </a:p>
           <a:p>
@@ -6106,8 +9676,8 @@
           </a:p>
         </p:txBody>
       </p:sp>
-      <mc:AlternateContent xmlns:mc="http://schemas.openxmlformats.org/markup-compatibility/2006">
-        <mc:Choice xmlns:a14="http://schemas.microsoft.com/office/drawing/2010/main" Requires="a14">
+      <mc:AlternateContent xmlns:mc="http://schemas.openxmlformats.org/markup-compatibility/2006" xmlns:a14="http://schemas.microsoft.com/office/drawing/2010/main">
+        <mc:Choice Requires="a14">
           <p:sp>
             <p:nvSpPr>
               <p:cNvPr id="3" name="Content Placeholder 2">
@@ -6520,7 +10090,7 @@
             </p:txBody>
           </p:sp>
         </mc:Choice>
-        <mc:Fallback>
+        <mc:Fallback xmlns="">
           <p:sp>
             <p:nvSpPr>
               <p:cNvPr id="3" name="Content Placeholder 2">
@@ -7081,12 +10651,8 @@
               <a:lstStyle/>
               <a:p>
                 <a:r>
-                  <a:rPr lang="en-US" dirty="0" err="1"/>
-                  <a:t>Semenova</a:t>
-                </a:r>
-                <a:r>
                   <a:rPr lang="en-US" dirty="0"/>
-                  <a:t>, Goldman, </a:t>
+                  <a:t>Semenova, Goldman, </a:t>
                 </a:r>
                 <a:r>
                   <a:rPr lang="en-US" dirty="0" err="1"/>
@@ -7719,6 +11285,49 @@
                             <a:rPr lang="en-US" b="0" i="1" smtClean="0">
                               <a:latin typeface="Cambria Math" panose="02040503050406030204" pitchFamily="18" charset="0"/>
                             </a:rPr>
+                            <m:t>0</m:t>
+                          </m:r>
+                        </m:sub>
+                      </m:sSub>
+                      <m:r>
+                        <a:rPr lang="en-US" b="0" i="1" smtClean="0">
+                          <a:latin typeface="Cambria Math" panose="02040503050406030204" pitchFamily="18" charset="0"/>
+                        </a:rPr>
+                        <m:t>+</m:t>
+                      </m:r>
+                      <m:sSub>
+                        <m:sSubPr>
+                          <m:ctrlPr>
+                            <a:rPr lang="en-US" b="0" i="1" smtClean="0">
+                              <a:latin typeface="Cambria Math" panose="02040503050406030204" pitchFamily="18" charset="0"/>
+                            </a:rPr>
+                          </m:ctrlPr>
+                        </m:sSubPr>
+                        <m:e>
+                          <m:acc>
+                            <m:accPr>
+                              <m:chr m:val="̂"/>
+                              <m:ctrlPr>
+                                <a:rPr lang="en-US" b="0" i="1" smtClean="0">
+                                  <a:latin typeface="Cambria Math" panose="02040503050406030204" pitchFamily="18" charset="0"/>
+                                </a:rPr>
+                              </m:ctrlPr>
+                            </m:accPr>
+                            <m:e>
+                              <m:r>
+                                <a:rPr lang="en-US" b="0" i="1" smtClean="0">
+                                  <a:latin typeface="Cambria Math" panose="02040503050406030204" pitchFamily="18" charset="0"/>
+                                </a:rPr>
+                                <m:t>𝜏</m:t>
+                              </m:r>
+                            </m:e>
+                          </m:acc>
+                        </m:e>
+                        <m:sub>
+                          <m:r>
+                            <a:rPr lang="en-US" b="0" i="1" smtClean="0">
+                              <a:latin typeface="Cambria Math" panose="02040503050406030204" pitchFamily="18" charset="0"/>
+                            </a:rPr>
                             <m:t>1</m:t>
                           </m:r>
                         </m:sub>
@@ -7933,6 +11542,74 @@
                       </m:sSub>
                       <m:r>
                         <a:rPr lang="en-US" b="0" i="1" smtClean="0">
+                          <a:latin typeface="Cambria Math" panose="02040503050406030204" pitchFamily="18" charset="0"/>
+                        </a:rPr>
+                        <m:t>+</m:t>
+                      </m:r>
+                      <m:sSub>
+                        <m:sSubPr>
+                          <m:ctrlPr>
+                            <a:rPr lang="en-US" i="1">
+                              <a:latin typeface="Cambria Math" panose="02040503050406030204" pitchFamily="18" charset="0"/>
+                            </a:rPr>
+                          </m:ctrlPr>
+                        </m:sSubPr>
+                        <m:e>
+                          <m:acc>
+                            <m:accPr>
+                              <m:chr m:val="̂"/>
+                              <m:ctrlPr>
+                                <a:rPr lang="en-US" i="1">
+                                  <a:latin typeface="Cambria Math" panose="02040503050406030204" pitchFamily="18" charset="0"/>
+                                </a:rPr>
+                              </m:ctrlPr>
+                            </m:accPr>
+                            <m:e>
+                              <m:r>
+                                <a:rPr lang="en-US" i="1">
+                                  <a:latin typeface="Cambria Math" panose="02040503050406030204" pitchFamily="18" charset="0"/>
+                                </a:rPr>
+                                <m:t>𝜏</m:t>
+                              </m:r>
+                            </m:e>
+                          </m:acc>
+                        </m:e>
+                        <m:sub>
+                          <m:r>
+                            <a:rPr lang="en-US" i="1">
+                              <a:latin typeface="Cambria Math" panose="02040503050406030204" pitchFamily="18" charset="0"/>
+                            </a:rPr>
+                            <m:t>0</m:t>
+                          </m:r>
+                        </m:sub>
+                      </m:sSub>
+                      <m:sSub>
+                        <m:sSubPr>
+                          <m:ctrlPr>
+                            <a:rPr lang="en-US" b="0" i="1" smtClean="0">
+                              <a:latin typeface="Cambria Math" panose="02040503050406030204" pitchFamily="18" charset="0"/>
+                            </a:rPr>
+                          </m:ctrlPr>
+                        </m:sSubPr>
+                        <m:e>
+                          <m:r>
+                            <a:rPr lang="en-US" b="0" i="1" smtClean="0">
+                              <a:latin typeface="Cambria Math" panose="02040503050406030204" pitchFamily="18" charset="0"/>
+                            </a:rPr>
+                            <m:t>𝑇</m:t>
+                          </m:r>
+                        </m:e>
+                        <m:sub>
+                          <m:r>
+                            <a:rPr lang="en-US" b="0" i="1" smtClean="0">
+                              <a:latin typeface="Cambria Math" panose="02040503050406030204" pitchFamily="18" charset="0"/>
+                            </a:rPr>
+                            <m:t>𝑖</m:t>
+                          </m:r>
+                        </m:sub>
+                      </m:sSub>
+                      <m:r>
+                        <a:rPr lang="en-US" i="1">
                           <a:latin typeface="Cambria Math" panose="02040503050406030204" pitchFamily="18" charset="0"/>
                         </a:rPr>
                         <m:t>+</m:t>
@@ -8525,4 +12202,299 @@
     </a:ext>
   </a:extLst>
 </a:theme>
+</file>
+
+<file path=ppt/theme/theme2.xml><?xml version="1.0" encoding="utf-8"?>
+<a:theme xmlns:a="http://schemas.openxmlformats.org/drawingml/2006/main" name="Office Theme">
+  <a:themeElements>
+    <a:clrScheme name="Office">
+      <a:dk1>
+        <a:sysClr val="windowText" lastClr="000000"/>
+      </a:dk1>
+      <a:lt1>
+        <a:sysClr val="window" lastClr="FFFFFF"/>
+      </a:lt1>
+      <a:dk2>
+        <a:srgbClr val="44546A"/>
+      </a:dk2>
+      <a:lt2>
+        <a:srgbClr val="E7E6E6"/>
+      </a:lt2>
+      <a:accent1>
+        <a:srgbClr val="4472C4"/>
+      </a:accent1>
+      <a:accent2>
+        <a:srgbClr val="ED7D31"/>
+      </a:accent2>
+      <a:accent3>
+        <a:srgbClr val="A5A5A5"/>
+      </a:accent3>
+      <a:accent4>
+        <a:srgbClr val="FFC000"/>
+      </a:accent4>
+      <a:accent5>
+        <a:srgbClr val="5B9BD5"/>
+      </a:accent5>
+      <a:accent6>
+        <a:srgbClr val="70AD47"/>
+      </a:accent6>
+      <a:hlink>
+        <a:srgbClr val="0563C1"/>
+      </a:hlink>
+      <a:folHlink>
+        <a:srgbClr val="954F72"/>
+      </a:folHlink>
+    </a:clrScheme>
+    <a:fontScheme name="Office">
+      <a:majorFont>
+        <a:latin typeface="Calibri Light" panose="020F0302020204030204"/>
+        <a:ea typeface=""/>
+        <a:cs typeface=""/>
+        <a:font script="Jpan" typeface="游ゴシック Light"/>
+        <a:font script="Hang" typeface="맑은 고딕"/>
+        <a:font script="Hans" typeface="等线 Light"/>
+        <a:font script="Hant" typeface="新細明體"/>
+        <a:font script="Arab" typeface="Times New Roman"/>
+        <a:font script="Hebr" typeface="Times New Roman"/>
+        <a:font script="Thai" typeface="Angsana New"/>
+        <a:font script="Ethi" typeface="Nyala"/>
+        <a:font script="Beng" typeface="Vrinda"/>
+        <a:font script="Gujr" typeface="Shruti"/>
+        <a:font script="Khmr" typeface="MoolBoran"/>
+        <a:font script="Knda" typeface="Tunga"/>
+        <a:font script="Guru" typeface="Raavi"/>
+        <a:font script="Cans" typeface="Euphemia"/>
+        <a:font script="Cher" typeface="Plantagenet Cherokee"/>
+        <a:font script="Yiii" typeface="Microsoft Yi Baiti"/>
+        <a:font script="Tibt" typeface="Microsoft Himalaya"/>
+        <a:font script="Thaa" typeface="MV Boli"/>
+        <a:font script="Deva" typeface="Mangal"/>
+        <a:font script="Telu" typeface="Gautami"/>
+        <a:font script="Taml" typeface="Latha"/>
+        <a:font script="Syrc" typeface="Estrangelo Edessa"/>
+        <a:font script="Orya" typeface="Kalinga"/>
+        <a:font script="Mlym" typeface="Kartika"/>
+        <a:font script="Laoo" typeface="DokChampa"/>
+        <a:font script="Sinh" typeface="Iskoola Pota"/>
+        <a:font script="Mong" typeface="Mongolian Baiti"/>
+        <a:font script="Viet" typeface="Times New Roman"/>
+        <a:font script="Uigh" typeface="Microsoft Uighur"/>
+        <a:font script="Geor" typeface="Sylfaen"/>
+        <a:font script="Armn" typeface="Arial"/>
+        <a:font script="Bugi" typeface="Leelawadee UI"/>
+        <a:font script="Bopo" typeface="Microsoft JhengHei"/>
+        <a:font script="Java" typeface="Javanese Text"/>
+        <a:font script="Lisu" typeface="Segoe UI"/>
+        <a:font script="Mymr" typeface="Myanmar Text"/>
+        <a:font script="Nkoo" typeface="Ebrima"/>
+        <a:font script="Olck" typeface="Nirmala UI"/>
+        <a:font script="Osma" typeface="Ebrima"/>
+        <a:font script="Phag" typeface="Phagspa"/>
+        <a:font script="Syrn" typeface="Estrangelo Edessa"/>
+        <a:font script="Syrj" typeface="Estrangelo Edessa"/>
+        <a:font script="Syre" typeface="Estrangelo Edessa"/>
+        <a:font script="Sora" typeface="Nirmala UI"/>
+        <a:font script="Tale" typeface="Microsoft Tai Le"/>
+        <a:font script="Talu" typeface="Microsoft New Tai Lue"/>
+        <a:font script="Tfng" typeface="Ebrima"/>
+      </a:majorFont>
+      <a:minorFont>
+        <a:latin typeface="Calibri" panose="020F0502020204030204"/>
+        <a:ea typeface=""/>
+        <a:cs typeface=""/>
+        <a:font script="Jpan" typeface="游ゴシック"/>
+        <a:font script="Hang" typeface="맑은 고딕"/>
+        <a:font script="Hans" typeface="等线"/>
+        <a:font script="Hant" typeface="新細明體"/>
+        <a:font script="Arab" typeface="Arial"/>
+        <a:font script="Hebr" typeface="Arial"/>
+        <a:font script="Thai" typeface="Cordia New"/>
+        <a:font script="Ethi" typeface="Nyala"/>
+        <a:font script="Beng" typeface="Vrinda"/>
+        <a:font script="Gujr" typeface="Shruti"/>
+        <a:font script="Khmr" typeface="DaunPenh"/>
+        <a:font script="Knda" typeface="Tunga"/>
+        <a:font script="Guru" typeface="Raavi"/>
+        <a:font script="Cans" typeface="Euphemia"/>
+        <a:font script="Cher" typeface="Plantagenet Cherokee"/>
+        <a:font script="Yiii" typeface="Microsoft Yi Baiti"/>
+        <a:font script="Tibt" typeface="Microsoft Himalaya"/>
+        <a:font script="Thaa" typeface="MV Boli"/>
+        <a:font script="Deva" typeface="Mangal"/>
+        <a:font script="Telu" typeface="Gautami"/>
+        <a:font script="Taml" typeface="Latha"/>
+        <a:font script="Syrc" typeface="Estrangelo Edessa"/>
+        <a:font script="Orya" typeface="Kalinga"/>
+        <a:font script="Mlym" typeface="Kartika"/>
+        <a:font script="Laoo" typeface="DokChampa"/>
+        <a:font script="Sinh" typeface="Iskoola Pota"/>
+        <a:font script="Mong" typeface="Mongolian Baiti"/>
+        <a:font script="Viet" typeface="Arial"/>
+        <a:font script="Uigh" typeface="Microsoft Uighur"/>
+        <a:font script="Geor" typeface="Sylfaen"/>
+        <a:font script="Armn" typeface="Arial"/>
+        <a:font script="Bugi" typeface="Leelawadee UI"/>
+        <a:font script="Bopo" typeface="Microsoft JhengHei"/>
+        <a:font script="Java" typeface="Javanese Text"/>
+        <a:font script="Lisu" typeface="Segoe UI"/>
+        <a:font script="Mymr" typeface="Myanmar Text"/>
+        <a:font script="Nkoo" typeface="Ebrima"/>
+        <a:font script="Olck" typeface="Nirmala UI"/>
+        <a:font script="Osma" typeface="Ebrima"/>
+        <a:font script="Phag" typeface="Phagspa"/>
+        <a:font script="Syrn" typeface="Estrangelo Edessa"/>
+        <a:font script="Syrj" typeface="Estrangelo Edessa"/>
+        <a:font script="Syre" typeface="Estrangelo Edessa"/>
+        <a:font script="Sora" typeface="Nirmala UI"/>
+        <a:font script="Tale" typeface="Microsoft Tai Le"/>
+        <a:font script="Talu" typeface="Microsoft New Tai Lue"/>
+        <a:font script="Tfng" typeface="Ebrima"/>
+      </a:minorFont>
+    </a:fontScheme>
+    <a:fmtScheme name="Office">
+      <a:fillStyleLst>
+        <a:solidFill>
+          <a:schemeClr val="phClr"/>
+        </a:solidFill>
+        <a:gradFill rotWithShape="1">
+          <a:gsLst>
+            <a:gs pos="0">
+              <a:schemeClr val="phClr">
+                <a:lumMod val="110000"/>
+                <a:satMod val="105000"/>
+                <a:tint val="67000"/>
+              </a:schemeClr>
+            </a:gs>
+            <a:gs pos="50000">
+              <a:schemeClr val="phClr">
+                <a:lumMod val="105000"/>
+                <a:satMod val="103000"/>
+                <a:tint val="73000"/>
+              </a:schemeClr>
+            </a:gs>
+            <a:gs pos="100000">
+              <a:schemeClr val="phClr">
+                <a:lumMod val="105000"/>
+                <a:satMod val="109000"/>
+                <a:tint val="81000"/>
+              </a:schemeClr>
+            </a:gs>
+          </a:gsLst>
+          <a:lin ang="5400000" scaled="0"/>
+        </a:gradFill>
+        <a:gradFill rotWithShape="1">
+          <a:gsLst>
+            <a:gs pos="0">
+              <a:schemeClr val="phClr">
+                <a:satMod val="103000"/>
+                <a:lumMod val="102000"/>
+                <a:tint val="94000"/>
+              </a:schemeClr>
+            </a:gs>
+            <a:gs pos="50000">
+              <a:schemeClr val="phClr">
+                <a:satMod val="110000"/>
+                <a:lumMod val="100000"/>
+                <a:shade val="100000"/>
+              </a:schemeClr>
+            </a:gs>
+            <a:gs pos="100000">
+              <a:schemeClr val="phClr">
+                <a:lumMod val="99000"/>
+                <a:satMod val="120000"/>
+                <a:shade val="78000"/>
+              </a:schemeClr>
+            </a:gs>
+          </a:gsLst>
+          <a:lin ang="5400000" scaled="0"/>
+        </a:gradFill>
+      </a:fillStyleLst>
+      <a:lnStyleLst>
+        <a:ln w="6350" cap="flat" cmpd="sng" algn="ctr">
+          <a:solidFill>
+            <a:schemeClr val="phClr"/>
+          </a:solidFill>
+          <a:prstDash val="solid"/>
+          <a:miter lim="800000"/>
+        </a:ln>
+        <a:ln w="12700" cap="flat" cmpd="sng" algn="ctr">
+          <a:solidFill>
+            <a:schemeClr val="phClr"/>
+          </a:solidFill>
+          <a:prstDash val="solid"/>
+          <a:miter lim="800000"/>
+        </a:ln>
+        <a:ln w="19050" cap="flat" cmpd="sng" algn="ctr">
+          <a:solidFill>
+            <a:schemeClr val="phClr"/>
+          </a:solidFill>
+          <a:prstDash val="solid"/>
+          <a:miter lim="800000"/>
+        </a:ln>
+      </a:lnStyleLst>
+      <a:effectStyleLst>
+        <a:effectStyle>
+          <a:effectLst/>
+        </a:effectStyle>
+        <a:effectStyle>
+          <a:effectLst/>
+        </a:effectStyle>
+        <a:effectStyle>
+          <a:effectLst>
+            <a:outerShdw blurRad="57150" dist="19050" dir="5400000" algn="ctr" rotWithShape="0">
+              <a:srgbClr val="000000">
+                <a:alpha val="63000"/>
+              </a:srgbClr>
+            </a:outerShdw>
+          </a:effectLst>
+        </a:effectStyle>
+      </a:effectStyleLst>
+      <a:bgFillStyleLst>
+        <a:solidFill>
+          <a:schemeClr val="phClr"/>
+        </a:solidFill>
+        <a:solidFill>
+          <a:schemeClr val="phClr">
+            <a:tint val="95000"/>
+            <a:satMod val="170000"/>
+          </a:schemeClr>
+        </a:solidFill>
+        <a:gradFill rotWithShape="1">
+          <a:gsLst>
+            <a:gs pos="0">
+              <a:schemeClr val="phClr">
+                <a:tint val="93000"/>
+                <a:satMod val="150000"/>
+                <a:shade val="98000"/>
+                <a:lumMod val="102000"/>
+              </a:schemeClr>
+            </a:gs>
+            <a:gs pos="50000">
+              <a:schemeClr val="phClr">
+                <a:tint val="98000"/>
+                <a:satMod val="130000"/>
+                <a:shade val="90000"/>
+                <a:lumMod val="103000"/>
+              </a:schemeClr>
+            </a:gs>
+            <a:gs pos="100000">
+              <a:schemeClr val="phClr">
+                <a:shade val="63000"/>
+                <a:satMod val="120000"/>
+              </a:schemeClr>
+            </a:gs>
+          </a:gsLst>
+          <a:lin ang="5400000" scaled="0"/>
+        </a:gradFill>
+      </a:bgFillStyleLst>
+    </a:fmtScheme>
+  </a:themeElements>
+  <a:objectDefaults/>
+  <a:extraClrSchemeLst/>
+  <a:extLst>
+    <a:ext uri="{05A4C25C-085E-4340-85A3-A5531E510DB2}">
+      <thm15:themeFamily xmlns:thm15="http://schemas.microsoft.com/office/thememl/2012/main" name="Office Theme" id="{62F939B6-93AF-4DB8-9C6B-D6C7DFDC589F}" vid="{4A3C46E8-61CC-4603-A589-7422A47A8E4A}"/>
+    </a:ext>
+  </a:extLst>
+</a:theme>
 </file>